--- a/cafe/docs/Spring_Integration.pptx
+++ b/cafe/docs/Spring_Integration.pptx
@@ -5,10 +5,12 @@
     <p:sldMasterId id="2147483648" r:id="rId1"/>
   </p:sldMasterIdLst>
   <p:sldIdLst>
-    <p:sldId id="258" r:id="rId2"/>
+    <p:sldId id="260" r:id="rId2"/>
     <p:sldId id="259" r:id="rId3"/>
-    <p:sldId id="257" r:id="rId4"/>
-    <p:sldId id="256" r:id="rId5"/>
+    <p:sldId id="258" r:id="rId4"/>
+    <p:sldId id="257" r:id="rId5"/>
+    <p:sldId id="256" r:id="rId6"/>
+    <p:sldId id="261" r:id="rId7"/>
   </p:sldIdLst>
   <p:sldSz cx="9144000" cy="6858000" type="screen4x3"/>
   <p:notesSz cx="6858000" cy="9144000"/>
@@ -3100,7 +3102,7 @@
       </p:grpSpPr>
       <p:sp>
         <p:nvSpPr>
-          <p:cNvPr id="2" name="Title 1"/>
+          <p:cNvPr id="4" name="Title 3"/>
           <p:cNvSpPr>
             <a:spLocks noGrp="1"/>
           </p:cNvSpPr>
@@ -3108,150 +3110,28 @@
             <p:ph type="title"/>
           </p:nvPr>
         </p:nvSpPr>
-        <p:spPr/>
-        <p:txBody>
-          <a:bodyPr>
-            <a:normAutofit/>
-          </a:bodyPr>
-          <a:lstStyle/>
-          <a:p>
-            <a:pPr algn="l"/>
-            <a:r>
-              <a:rPr lang="en-US" sz="3000" dirty="0"/>
-              <a:t>Café Sample Application</a:t>
-            </a:r>
-          </a:p>
-        </p:txBody>
-      </p:sp>
-      <p:sp>
-        <p:nvSpPr>
-          <p:cNvPr id="3" name="Vertical Text Placeholder 2"/>
-          <p:cNvSpPr>
-            <a:spLocks noGrp="1"/>
-          </p:cNvSpPr>
-          <p:nvPr>
-            <p:ph type="body" orient="vert" idx="1"/>
-          </p:nvPr>
-        </p:nvSpPr>
-        <p:spPr/>
-        <p:txBody>
-          <a:bodyPr vert="horz">
-            <a:normAutofit/>
-          </a:bodyPr>
-          <a:lstStyle/>
-          <a:p>
-            <a:r>
-              <a:rPr lang="en-US" sz="2500" dirty="0"/>
-              <a:t>A customer orders a coffee </a:t>
-            </a:r>
-            <a:endParaRPr lang="en-US" sz="2500" dirty="0" smtClean="0"/>
-          </a:p>
-          <a:p>
-            <a:pPr marL="0" indent="0">
-              <a:buNone/>
-            </a:pPr>
-            <a:r>
-              <a:rPr lang="en-US" sz="2500" dirty="0"/>
-              <a:t> </a:t>
-            </a:r>
-            <a:r>
-              <a:rPr lang="en-US" sz="2500" dirty="0" smtClean="0"/>
-              <a:t>    </a:t>
-            </a:r>
-            <a:r>
-              <a:rPr lang="en-US" sz="2500" i="1" dirty="0" smtClean="0"/>
-              <a:t>– </a:t>
-            </a:r>
-            <a:r>
-              <a:rPr lang="en-US" sz="2500" i="1" dirty="0"/>
-              <a:t>and waits</a:t>
-            </a:r>
-            <a:r>
-              <a:rPr lang="en-US" sz="2500" dirty="0"/>
-              <a:t> </a:t>
-            </a:r>
-          </a:p>
-          <a:p>
-            <a:r>
-              <a:rPr lang="en-US" sz="2500" dirty="0"/>
-              <a:t>The waiter walks to the barista and passes the order </a:t>
-            </a:r>
-          </a:p>
-          <a:p>
-            <a:pPr marL="0" indent="0">
-              <a:buNone/>
-            </a:pPr>
-            <a:r>
-              <a:rPr lang="en-US" sz="2500" dirty="0" smtClean="0"/>
-              <a:t>    </a:t>
-            </a:r>
-            <a:r>
-              <a:rPr lang="en-US" sz="2500" i="1" dirty="0" smtClean="0"/>
-              <a:t>– </a:t>
-            </a:r>
-            <a:r>
-              <a:rPr lang="en-US" sz="2500" i="1" dirty="0"/>
-              <a:t>and waits</a:t>
-            </a:r>
-            <a:r>
-              <a:rPr lang="en-US" sz="2500" dirty="0"/>
-              <a:t> </a:t>
-            </a:r>
-          </a:p>
-          <a:p>
-            <a:r>
-              <a:rPr lang="en-US" sz="2500" dirty="0"/>
-              <a:t>The barista walks to the coffee machine </a:t>
-            </a:r>
-            <a:endParaRPr lang="en-US" sz="2500" dirty="0" smtClean="0"/>
-          </a:p>
-          <a:p>
-            <a:pPr marL="0" indent="0">
-              <a:buNone/>
-            </a:pPr>
-            <a:r>
-              <a:rPr lang="en-US" sz="2500" dirty="0"/>
-              <a:t> </a:t>
-            </a:r>
-            <a:r>
-              <a:rPr lang="en-US" sz="2500" dirty="0" smtClean="0"/>
-              <a:t>  </a:t>
-            </a:r>
-            <a:r>
-              <a:rPr lang="en-US" sz="2500" i="1" dirty="0" smtClean="0"/>
-              <a:t>– </a:t>
-            </a:r>
-            <a:r>
-              <a:rPr lang="en-US" sz="2500" i="1" dirty="0"/>
-              <a:t>and waits</a:t>
-            </a:r>
-            <a:r>
-              <a:rPr lang="en-US" sz="2500" dirty="0"/>
-              <a:t> </a:t>
-            </a:r>
-          </a:p>
-          <a:p>
-            <a:endParaRPr lang="en-US" sz="2500" dirty="0" smtClean="0"/>
-          </a:p>
-          <a:p>
-            <a:r>
-              <a:rPr lang="en-US" sz="2500" dirty="0" smtClean="0"/>
-              <a:t>How </a:t>
-            </a:r>
-            <a:r>
-              <a:rPr lang="en-US" sz="2500" dirty="0"/>
-              <a:t>about the next customer? </a:t>
-            </a:r>
-          </a:p>
-          <a:p>
-            <a:endParaRPr lang="en-US" sz="2500" dirty="0"/>
+        <p:spPr>
+          <a:xfrm>
+            <a:off x="722313" y="1069269"/>
+            <a:ext cx="7772400" cy="1362075"/>
+          </a:xfrm>
+        </p:spPr>
+        <p:txBody>
+          <a:bodyPr/>
+          <a:lstStyle/>
+          <a:p>
+            <a:r>
+              <a:rPr lang="en-US" dirty="0" smtClean="0"/>
+              <a:t>Spring integration</a:t>
+            </a:r>
+            <a:endParaRPr lang="en-US" dirty="0"/>
           </a:p>
         </p:txBody>
       </p:sp>
     </p:spTree>
     <p:extLst>
       <p:ext uri="{BB962C8B-B14F-4D97-AF65-F5344CB8AC3E}">
-        <p14:creationId xmlns:p14="http://schemas.microsoft.com/office/powerpoint/2010/main" val="2837897366"/>
+        <p14:creationId xmlns:p14="http://schemas.microsoft.com/office/powerpoint/2010/main" val="2975223786"/>
       </p:ext>
     </p:extLst>
   </p:cSld>
@@ -3308,6 +3188,31 @@
           </a:prstGeom>
         </p:spPr>
       </p:pic>
+      <p:sp>
+        <p:nvSpPr>
+          <p:cNvPr id="2" name="Title 1"/>
+          <p:cNvSpPr>
+            <a:spLocks noGrp="1"/>
+          </p:cNvSpPr>
+          <p:nvPr>
+            <p:ph type="title"/>
+          </p:nvPr>
+        </p:nvSpPr>
+        <p:spPr/>
+        <p:txBody>
+          <a:bodyPr>
+            <a:normAutofit/>
+          </a:bodyPr>
+          <a:lstStyle/>
+          <a:p>
+            <a:pPr algn="l"/>
+            <a:r>
+              <a:rPr lang="en-US" sz="3000" dirty="0"/>
+              <a:t>Café Sample</a:t>
+            </a:r>
+          </a:p>
+        </p:txBody>
+      </p:sp>
     </p:spTree>
     <p:extLst>
       <p:ext uri="{BB962C8B-B14F-4D97-AF65-F5344CB8AC3E}">
@@ -3357,6 +3262,191 @@
           <a:p>
             <a:pPr algn="l"/>
             <a:r>
+              <a:rPr lang="en-US" sz="3000" dirty="0"/>
+              <a:t>Café </a:t>
+            </a:r>
+            <a:r>
+              <a:rPr lang="en-US" sz="3000" dirty="0" smtClean="0"/>
+              <a:t>Sample</a:t>
+            </a:r>
+            <a:endParaRPr lang="en-US" sz="3000" dirty="0"/>
+          </a:p>
+        </p:txBody>
+      </p:sp>
+      <p:sp>
+        <p:nvSpPr>
+          <p:cNvPr id="3" name="Vertical Text Placeholder 2"/>
+          <p:cNvSpPr>
+            <a:spLocks noGrp="1"/>
+          </p:cNvSpPr>
+          <p:nvPr>
+            <p:ph type="body" orient="vert" idx="1"/>
+          </p:nvPr>
+        </p:nvSpPr>
+        <p:spPr/>
+        <p:txBody>
+          <a:bodyPr vert="horz">
+            <a:normAutofit/>
+          </a:bodyPr>
+          <a:lstStyle/>
+          <a:p>
+            <a:r>
+              <a:rPr lang="en-US" sz="2500" dirty="0"/>
+              <a:t>A customer orders a coffee </a:t>
+            </a:r>
+            <a:endParaRPr lang="en-US" sz="2500" dirty="0" smtClean="0"/>
+          </a:p>
+          <a:p>
+            <a:pPr marL="0" indent="0">
+              <a:buNone/>
+            </a:pPr>
+            <a:r>
+              <a:rPr lang="en-US" sz="2500" dirty="0"/>
+              <a:t> </a:t>
+            </a:r>
+            <a:r>
+              <a:rPr lang="en-US" sz="2500" dirty="0" smtClean="0"/>
+              <a:t>    </a:t>
+            </a:r>
+            <a:r>
+              <a:rPr lang="en-US" sz="2500" i="1" dirty="0" smtClean="0"/>
+              <a:t>– </a:t>
+            </a:r>
+            <a:r>
+              <a:rPr lang="en-US" sz="2500" i="1" dirty="0"/>
+              <a:t>and waits</a:t>
+            </a:r>
+            <a:r>
+              <a:rPr lang="en-US" sz="2500" dirty="0"/>
+              <a:t> </a:t>
+            </a:r>
+          </a:p>
+          <a:p>
+            <a:r>
+              <a:rPr lang="en-US" sz="2500" dirty="0"/>
+              <a:t>The waiter walks to the barista and passes the order </a:t>
+            </a:r>
+          </a:p>
+          <a:p>
+            <a:pPr marL="0" indent="0">
+              <a:buNone/>
+            </a:pPr>
+            <a:r>
+              <a:rPr lang="en-US" sz="2500" dirty="0" smtClean="0"/>
+              <a:t>    </a:t>
+            </a:r>
+            <a:r>
+              <a:rPr lang="en-US" sz="2500" i="1" dirty="0" smtClean="0"/>
+              <a:t>– </a:t>
+            </a:r>
+            <a:r>
+              <a:rPr lang="en-US" sz="2500" i="1" dirty="0"/>
+              <a:t>and waits</a:t>
+            </a:r>
+            <a:r>
+              <a:rPr lang="en-US" sz="2500" dirty="0"/>
+              <a:t> </a:t>
+            </a:r>
+          </a:p>
+          <a:p>
+            <a:r>
+              <a:rPr lang="en-US" sz="2500" dirty="0"/>
+              <a:t>The barista walks to the coffee machine </a:t>
+            </a:r>
+            <a:endParaRPr lang="en-US" sz="2500" dirty="0" smtClean="0"/>
+          </a:p>
+          <a:p>
+            <a:pPr marL="0" indent="0">
+              <a:buNone/>
+            </a:pPr>
+            <a:r>
+              <a:rPr lang="en-US" sz="2500" dirty="0"/>
+              <a:t> </a:t>
+            </a:r>
+            <a:r>
+              <a:rPr lang="en-US" sz="2500" dirty="0" smtClean="0"/>
+              <a:t>  </a:t>
+            </a:r>
+            <a:r>
+              <a:rPr lang="en-US" sz="2500" i="1" dirty="0" smtClean="0"/>
+              <a:t>– </a:t>
+            </a:r>
+            <a:r>
+              <a:rPr lang="en-US" sz="2500" i="1" dirty="0"/>
+              <a:t>and waits</a:t>
+            </a:r>
+            <a:r>
+              <a:rPr lang="en-US" sz="2500" dirty="0"/>
+              <a:t> </a:t>
+            </a:r>
+          </a:p>
+          <a:p>
+            <a:endParaRPr lang="en-US" sz="2500" dirty="0" smtClean="0"/>
+          </a:p>
+          <a:p>
+            <a:r>
+              <a:rPr lang="en-US" sz="2500" dirty="0" smtClean="0"/>
+              <a:t>How </a:t>
+            </a:r>
+            <a:r>
+              <a:rPr lang="en-US" sz="2500" dirty="0"/>
+              <a:t>about the next customer? </a:t>
+            </a:r>
+          </a:p>
+          <a:p>
+            <a:endParaRPr lang="en-US" sz="2500" dirty="0"/>
+          </a:p>
+        </p:txBody>
+      </p:sp>
+    </p:spTree>
+    <p:extLst>
+      <p:ext uri="{BB962C8B-B14F-4D97-AF65-F5344CB8AC3E}">
+        <p14:creationId xmlns:p14="http://schemas.microsoft.com/office/powerpoint/2010/main" val="2837897366"/>
+      </p:ext>
+    </p:extLst>
+  </p:cSld>
+  <p:clrMapOvr>
+    <a:masterClrMapping/>
+  </p:clrMapOvr>
+</p:sld>
+</file>
+
+<file path=ppt/slides/slide4.xml><?xml version="1.0" encoding="utf-8"?>
+<p:sld xmlns:a="http://schemas.openxmlformats.org/drawingml/2006/main" xmlns:r="http://schemas.openxmlformats.org/officeDocument/2006/relationships" xmlns:p="http://schemas.openxmlformats.org/presentationml/2006/main">
+  <p:cSld>
+    <p:spTree>
+      <p:nvGrpSpPr>
+        <p:cNvPr id="1" name=""/>
+        <p:cNvGrpSpPr/>
+        <p:nvPr/>
+      </p:nvGrpSpPr>
+      <p:grpSpPr>
+        <a:xfrm>
+          <a:off x="0" y="0"/>
+          <a:ext cx="0" cy="0"/>
+          <a:chOff x="0" y="0"/>
+          <a:chExt cx="0" cy="0"/>
+        </a:xfrm>
+      </p:grpSpPr>
+      <p:sp>
+        <p:nvSpPr>
+          <p:cNvPr id="2" name="Title 1"/>
+          <p:cNvSpPr>
+            <a:spLocks noGrp="1"/>
+          </p:cNvSpPr>
+          <p:nvPr>
+            <p:ph type="title"/>
+          </p:nvPr>
+        </p:nvSpPr>
+        <p:spPr/>
+        <p:txBody>
+          <a:bodyPr>
+            <a:normAutofit/>
+          </a:bodyPr>
+          <a:lstStyle/>
+          <a:p>
+            <a:pPr algn="l"/>
+            <a:r>
               <a:rPr lang="en-US" sz="3000" dirty="0" smtClean="0"/>
               <a:t>Messaging</a:t>
             </a:r>
@@ -3500,7 +3590,7 @@
 </p:sld>
 </file>
 
-<file path=ppt/slides/slide4.xml><?xml version="1.0" encoding="utf-8"?>
+<file path=ppt/slides/slide5.xml><?xml version="1.0" encoding="utf-8"?>
 <p:sld xmlns:a="http://schemas.openxmlformats.org/drawingml/2006/main" xmlns:r="http://schemas.openxmlformats.org/officeDocument/2006/relationships" xmlns:p="http://schemas.openxmlformats.org/presentationml/2006/main">
   <p:cSld>
     <p:spTree>
@@ -3641,6 +3731,187 @@
     <p:extLst>
       <p:ext uri="{BB962C8B-B14F-4D97-AF65-F5344CB8AC3E}">
         <p14:creationId xmlns:p14="http://schemas.microsoft.com/office/powerpoint/2010/main" val="4088292406"/>
+      </p:ext>
+    </p:extLst>
+  </p:cSld>
+  <p:clrMapOvr>
+    <a:masterClrMapping/>
+  </p:clrMapOvr>
+</p:sld>
+</file>
+
+<file path=ppt/slides/slide6.xml><?xml version="1.0" encoding="utf-8"?>
+<p:sld xmlns:a="http://schemas.openxmlformats.org/drawingml/2006/main" xmlns:r="http://schemas.openxmlformats.org/officeDocument/2006/relationships" xmlns:p="http://schemas.openxmlformats.org/presentationml/2006/main">
+  <p:cSld>
+    <p:spTree>
+      <p:nvGrpSpPr>
+        <p:cNvPr id="1" name=""/>
+        <p:cNvGrpSpPr/>
+        <p:nvPr/>
+      </p:nvGrpSpPr>
+      <p:grpSpPr>
+        <a:xfrm>
+          <a:off x="0" y="0"/>
+          <a:ext cx="0" cy="0"/>
+          <a:chOff x="0" y="0"/>
+          <a:chExt cx="0" cy="0"/>
+        </a:xfrm>
+      </p:grpSpPr>
+      <p:sp>
+        <p:nvSpPr>
+          <p:cNvPr id="2" name="Title 1"/>
+          <p:cNvSpPr>
+            <a:spLocks noGrp="1"/>
+          </p:cNvSpPr>
+          <p:nvPr>
+            <p:ph type="title"/>
+          </p:nvPr>
+        </p:nvSpPr>
+        <p:spPr/>
+        <p:txBody>
+          <a:bodyPr>
+            <a:normAutofit/>
+          </a:bodyPr>
+          <a:lstStyle/>
+          <a:p>
+            <a:pPr algn="l"/>
+            <a:r>
+              <a:rPr lang="en-US" sz="3000" dirty="0" smtClean="0"/>
+              <a:t>References</a:t>
+            </a:r>
+            <a:endParaRPr lang="en-US" sz="3000" dirty="0"/>
+          </a:p>
+        </p:txBody>
+      </p:sp>
+      <p:sp>
+        <p:nvSpPr>
+          <p:cNvPr id="3" name="Vertical Text Placeholder 2"/>
+          <p:cNvSpPr>
+            <a:spLocks noGrp="1"/>
+          </p:cNvSpPr>
+          <p:nvPr>
+            <p:ph type="body" orient="vert" idx="1"/>
+          </p:nvPr>
+        </p:nvSpPr>
+        <p:spPr/>
+        <p:txBody>
+          <a:bodyPr vert="horz">
+            <a:normAutofit/>
+          </a:bodyPr>
+          <a:lstStyle/>
+          <a:p>
+            <a:r>
+              <a:rPr lang="en-US" sz="2000" dirty="0">
+                <a:hlinkClick r:id="rId2"/>
+              </a:rPr>
+              <a:t>Spring integration project</a:t>
+            </a:r>
+            <a:endParaRPr lang="en-US" sz="2000" dirty="0"/>
+          </a:p>
+          <a:p>
+            <a:r>
+              <a:rPr lang="en-US" sz="2000" dirty="0" smtClean="0">
+                <a:hlinkClick r:id="rId3"/>
+              </a:rPr>
+              <a:t>Enterprise </a:t>
+            </a:r>
+            <a:r>
+              <a:rPr lang="en-US" sz="2000" dirty="0">
+                <a:hlinkClick r:id="rId3"/>
+              </a:rPr>
+              <a:t>Integration Patterns with Spring </a:t>
+            </a:r>
+            <a:r>
+              <a:rPr lang="en-US" sz="2000" dirty="0" smtClean="0">
+                <a:hlinkClick r:id="rId3"/>
+              </a:rPr>
+              <a:t>integration</a:t>
+            </a:r>
+            <a:endParaRPr lang="en-US" sz="2000" dirty="0" smtClean="0"/>
+          </a:p>
+          <a:p>
+            <a:r>
+              <a:rPr lang="en-US" sz="2000" dirty="0">
+                <a:hlinkClick r:id="rId4"/>
+              </a:rPr>
+              <a:t>Spring Integration and EIP </a:t>
+            </a:r>
+            <a:r>
+              <a:rPr lang="en-US" sz="2000" dirty="0" smtClean="0">
+                <a:hlinkClick r:id="rId4"/>
+              </a:rPr>
+              <a:t>Introduction</a:t>
+            </a:r>
+            <a:endParaRPr lang="en-US" sz="2000" dirty="0" smtClean="0"/>
+          </a:p>
+          <a:p>
+            <a:r>
+              <a:rPr lang="en-US" sz="2000" dirty="0">
+                <a:hlinkClick r:id="rId5"/>
+              </a:rPr>
+              <a:t>Messaging with Spring </a:t>
+            </a:r>
+            <a:r>
+              <a:rPr lang="en-US" sz="2000" dirty="0" smtClean="0">
+                <a:hlinkClick r:id="rId5"/>
+              </a:rPr>
+              <a:t>Integration</a:t>
+            </a:r>
+            <a:endParaRPr lang="en-US" sz="2000" dirty="0" smtClean="0"/>
+          </a:p>
+          <a:p>
+            <a:r>
+              <a:rPr lang="en-US" sz="2000" dirty="0">
+                <a:hlinkClick r:id="rId6"/>
+              </a:rPr>
+              <a:t>Integration Patterns With Spring </a:t>
+            </a:r>
+            <a:r>
+              <a:rPr lang="en-US" sz="2000" dirty="0" smtClean="0">
+                <a:hlinkClick r:id="rId6"/>
+              </a:rPr>
+              <a:t>integration</a:t>
+            </a:r>
+            <a:endParaRPr lang="en-US" sz="2000" dirty="0" smtClean="0"/>
+          </a:p>
+          <a:p>
+            <a:r>
+              <a:rPr lang="en-US" sz="2000" dirty="0" smtClean="0">
+                <a:hlinkClick r:id="rId7"/>
+              </a:rPr>
+              <a:t>The </a:t>
+            </a:r>
+            <a:r>
+              <a:rPr lang="en-US" sz="2000" dirty="0">
+                <a:hlinkClick r:id="rId7"/>
+              </a:rPr>
+              <a:t>Café </a:t>
+            </a:r>
+            <a:r>
+              <a:rPr lang="en-US" sz="2000" dirty="0" smtClean="0">
+                <a:hlinkClick r:id="rId7"/>
+              </a:rPr>
+              <a:t>sample</a:t>
+            </a:r>
+            <a:endParaRPr lang="en-US" sz="2000" dirty="0" smtClean="0"/>
+          </a:p>
+          <a:p>
+            <a:r>
+              <a:rPr lang="en-US" sz="2000" dirty="0" smtClean="0"/>
+              <a:t>Book – Just </a:t>
+            </a:r>
+            <a:r>
+              <a:rPr lang="en-US" sz="2000" smtClean="0"/>
+              <a:t>Spring Integration</a:t>
+            </a:r>
+            <a:endParaRPr lang="en-US" sz="2000" dirty="0" smtClean="0"/>
+          </a:p>
+        </p:txBody>
+      </p:sp>
+    </p:spTree>
+    <p:extLst>
+      <p:ext uri="{BB962C8B-B14F-4D97-AF65-F5344CB8AC3E}">
+        <p14:creationId xmlns:p14="http://schemas.microsoft.com/office/powerpoint/2010/main" val="667349871"/>
       </p:ext>
     </p:extLst>
   </p:cSld>

--- a/cafe/docs/Spring_Integration.pptx
+++ b/cafe/docs/Spring_Integration.pptx
@@ -3112,7 +3112,7 @@
         </p:nvSpPr>
         <p:spPr>
           <a:xfrm>
-            <a:off x="722313" y="1069269"/>
+            <a:off x="722313" y="1750306"/>
             <a:ext cx="7772400" cy="1362075"/>
           </a:xfrm>
         </p:spPr>
@@ -3122,7 +3122,22 @@
           <a:p>
             <a:r>
               <a:rPr lang="en-US" dirty="0" smtClean="0"/>
-              <a:t>Spring integration</a:t>
+              <a:t>Introduction to </a:t>
+            </a:r>
+            <a:br>
+              <a:rPr lang="en-US" dirty="0" smtClean="0"/>
+            </a:br>
+            <a:r>
+              <a:rPr lang="en-US" dirty="0" smtClean="0"/>
+              <a:t>		</a:t>
+            </a:r>
+            <a:r>
+              <a:rPr lang="en-US" dirty="0" smtClean="0"/>
+              <a:t>Spring </a:t>
+            </a:r>
+            <a:r>
+              <a:rPr lang="en-US" dirty="0" smtClean="0"/>
+              <a:t>integration</a:t>
             </a:r>
             <a:endParaRPr lang="en-US" dirty="0"/>
           </a:p>
@@ -3381,7 +3396,7 @@
             </a:r>
           </a:p>
           <a:p>
-            <a:endParaRPr lang="en-US" sz="2500" dirty="0" smtClean="0"/>
+            <a:endParaRPr lang="en-US" sz="2500" dirty="0"/>
           </a:p>
           <a:p>
             <a:r>
@@ -3898,11 +3913,7 @@
           <a:p>
             <a:r>
               <a:rPr lang="en-US" sz="2000" dirty="0" smtClean="0"/>
-              <a:t>Book – Just </a:t>
-            </a:r>
-            <a:r>
-              <a:rPr lang="en-US" sz="2000" smtClean="0"/>
-              <a:t>Spring Integration</a:t>
+              <a:t>Book – Just Spring Integration</a:t>
             </a:r>
             <a:endParaRPr lang="en-US" sz="2000" dirty="0" smtClean="0"/>
           </a:p>

--- a/cafe/docs/Spring_Integration.pptx
+++ b/cafe/docs/Spring_Integration.pptx
@@ -9,8 +9,9 @@
     <p:sldId id="259" r:id="rId3"/>
     <p:sldId id="258" r:id="rId4"/>
     <p:sldId id="257" r:id="rId5"/>
-    <p:sldId id="256" r:id="rId6"/>
-    <p:sldId id="261" r:id="rId7"/>
+    <p:sldId id="262" r:id="rId6"/>
+    <p:sldId id="256" r:id="rId7"/>
+    <p:sldId id="261" r:id="rId8"/>
   </p:sldIdLst>
   <p:sldSz cx="9144000" cy="6858000" type="screen4x3"/>
   <p:notesSz cx="6858000" cy="9144000"/>
@@ -3129,15 +3130,7 @@
             </a:br>
             <a:r>
               <a:rPr lang="en-US" dirty="0" smtClean="0"/>
-              <a:t>		</a:t>
-            </a:r>
-            <a:r>
-              <a:rPr lang="en-US" dirty="0" smtClean="0"/>
-              <a:t>Spring </a:t>
-            </a:r>
-            <a:r>
-              <a:rPr lang="en-US" dirty="0" smtClean="0"/>
-              <a:t>integration</a:t>
+              <a:t>		Spring integration</a:t>
             </a:r>
             <a:endParaRPr lang="en-US" dirty="0"/>
           </a:p>
@@ -3463,7 +3456,7 @@
             <a:pPr algn="l"/>
             <a:r>
               <a:rPr lang="en-US" sz="3000" dirty="0" smtClean="0"/>
-              <a:t>Messaging</a:t>
+              <a:t>Characteristics</a:t>
             </a:r>
             <a:endParaRPr lang="en-US" sz="3000" dirty="0"/>
           </a:p>
@@ -3482,7 +3475,7 @@
         <p:spPr/>
         <p:txBody>
           <a:bodyPr>
-            <a:normAutofit fontScale="92500" lnSpcReduction="10000"/>
+            <a:noAutofit/>
           </a:bodyPr>
           <a:lstStyle/>
           <a:p>
@@ -3502,23 +3495,34 @@
               <a:rPr lang="en-US" sz="2500" dirty="0"/>
               <a:t>The waiter takes an order and moves it to the barista </a:t>
             </a:r>
+            <a:endParaRPr lang="en-US" sz="2500" b="1" dirty="0" smtClean="0"/>
+          </a:p>
+          <a:p>
+            <a:pPr marL="0" indent="0">
+              <a:buNone/>
+            </a:pPr>
+            <a:r>
+              <a:rPr lang="en-US" sz="2500" b="1" dirty="0" smtClean="0"/>
+              <a:t>Asynchronous </a:t>
+            </a:r>
             <a:endParaRPr lang="en-US" sz="2500" dirty="0" smtClean="0">
               <a:effectLst/>
             </a:endParaRPr>
           </a:p>
           <a:p>
+            <a:r>
+              <a:rPr lang="en-US" sz="2500" dirty="0"/>
+              <a:t>Different actors do different things in parallel </a:t>
+            </a:r>
+            <a:endParaRPr lang="en-US" sz="2500" b="1" dirty="0" smtClean="0"/>
+          </a:p>
+          <a:p>
             <a:pPr marL="0" indent="0">
               <a:buNone/>
             </a:pPr>
-            <a:endParaRPr lang="en-US" sz="2500" b="1" dirty="0" smtClean="0"/>
-          </a:p>
-          <a:p>
-            <a:pPr marL="0" indent="0">
-              <a:buNone/>
-            </a:pPr>
             <a:r>
               <a:rPr lang="en-US" sz="2500" b="1" dirty="0" smtClean="0"/>
-              <a:t>Asynchronous </a:t>
+              <a:t>Translation </a:t>
             </a:r>
             <a:endParaRPr lang="en-US" sz="2500" dirty="0" smtClean="0">
               <a:effectLst/>
@@ -3527,43 +3531,8 @@
           <a:p>
             <a:r>
               <a:rPr lang="en-US" sz="2500" dirty="0"/>
-              <a:t>Different actors do different things in parallel </a:t>
-            </a:r>
-            <a:endParaRPr lang="en-US" sz="2500" dirty="0" smtClean="0">
-              <a:effectLst/>
-            </a:endParaRPr>
-          </a:p>
-          <a:p>
-            <a:pPr marL="0" indent="0">
-              <a:buNone/>
-            </a:pPr>
-            <a:endParaRPr lang="en-US" sz="2500" b="1" dirty="0" smtClean="0"/>
-          </a:p>
-          <a:p>
-            <a:pPr marL="0" indent="0">
-              <a:buNone/>
-            </a:pPr>
-            <a:r>
-              <a:rPr lang="en-US" sz="2500" b="1" dirty="0" smtClean="0"/>
-              <a:t>Translation </a:t>
-            </a:r>
-            <a:endParaRPr lang="en-US" sz="2500" dirty="0" smtClean="0">
-              <a:effectLst/>
-            </a:endParaRPr>
-          </a:p>
-          <a:p>
-            <a:r>
-              <a:rPr lang="en-US" sz="2500" dirty="0"/>
               <a:t>menu item =&gt; number =&gt; recipe </a:t>
             </a:r>
-            <a:endParaRPr lang="en-US" sz="2500" dirty="0" smtClean="0">
-              <a:effectLst/>
-            </a:endParaRPr>
-          </a:p>
-          <a:p>
-            <a:pPr marL="0" indent="0">
-              <a:buNone/>
-            </a:pPr>
             <a:endParaRPr lang="en-US" sz="2500" b="1" dirty="0" smtClean="0"/>
           </a:p>
           <a:p>
@@ -3624,7 +3593,7 @@
       </p:grpSpPr>
       <p:sp>
         <p:nvSpPr>
-          <p:cNvPr id="9" name="Title 8"/>
+          <p:cNvPr id="2" name="Title 1"/>
           <p:cNvSpPr>
             <a:spLocks noGrp="1"/>
           </p:cNvSpPr>
@@ -3642,7 +3611,7 @@
             <a:pPr algn="l"/>
             <a:r>
               <a:rPr lang="en-US" sz="3000" dirty="0" smtClean="0"/>
-              <a:t>What is SI?</a:t>
+              <a:t>Messaging</a:t>
             </a:r>
             <a:endParaRPr lang="en-US" sz="3000" dirty="0"/>
           </a:p>
@@ -3650,7 +3619,7 @@
       </p:sp>
       <p:sp>
         <p:nvSpPr>
-          <p:cNvPr id="10" name="Vertical Text Placeholder 9"/>
+          <p:cNvPr id="3" name="Vertical Text Placeholder 2"/>
           <p:cNvSpPr>
             <a:spLocks noGrp="1"/>
           </p:cNvSpPr>
@@ -3665,6 +3634,220 @@
           </a:bodyPr>
           <a:lstStyle/>
           <a:p>
+            <a:pPr marL="0" indent="0">
+              <a:buNone/>
+            </a:pPr>
+            <a:r>
+              <a:rPr lang="en-US" sz="2500" dirty="0" smtClean="0"/>
+              <a:t>. A </a:t>
+            </a:r>
+            <a:r>
+              <a:rPr lang="en-US" sz="2500" dirty="0" smtClean="0"/>
+              <a:t>common </a:t>
+            </a:r>
+            <a:r>
+              <a:rPr lang="en-US" sz="2500" dirty="0"/>
+              <a:t>strategies in the integration space </a:t>
+            </a:r>
+            <a:endParaRPr lang="en-US" sz="2500" dirty="0" smtClean="0"/>
+          </a:p>
+          <a:p>
+            <a:pPr marL="0" indent="0">
+              <a:buNone/>
+            </a:pPr>
+            <a:r>
+              <a:rPr lang="en-US" sz="2500" dirty="0" smtClean="0"/>
+              <a:t>. </a:t>
+            </a:r>
+            <a:r>
+              <a:rPr lang="en-US" sz="2500" dirty="0" smtClean="0"/>
+              <a:t>M</a:t>
+            </a:r>
+            <a:r>
+              <a:rPr lang="en-US" sz="2500" dirty="0" smtClean="0"/>
+              <a:t>ainly </a:t>
+            </a:r>
+            <a:r>
+              <a:rPr lang="en-US" sz="2500" dirty="0"/>
+              <a:t>encourages and supports sender-receiver decoupling </a:t>
+            </a:r>
+            <a:endParaRPr lang="en-US" sz="2500" dirty="0" smtClean="0"/>
+          </a:p>
+          <a:p>
+            <a:pPr marL="0" indent="0">
+              <a:buNone/>
+            </a:pPr>
+            <a:endParaRPr lang="en-US" sz="2500" dirty="0" smtClean="0"/>
+          </a:p>
+          <a:p>
+            <a:pPr marL="0" indent="0">
+              <a:buNone/>
+            </a:pPr>
+            <a:r>
+              <a:rPr lang="en-US" sz="2500" dirty="0" smtClean="0"/>
+              <a:t>Messaging patterns</a:t>
+            </a:r>
+          </a:p>
+          <a:p>
+            <a:pPr>
+              <a:buFont typeface="Wingdings" charset="2"/>
+              <a:buChar char="Ø"/>
+            </a:pPr>
+            <a:r>
+              <a:rPr lang="en-US" sz="2500" dirty="0" smtClean="0"/>
+              <a:t>S</a:t>
+            </a:r>
+            <a:r>
+              <a:rPr lang="en-US" sz="2500" dirty="0" smtClean="0"/>
+              <a:t>ome </a:t>
+            </a:r>
+            <a:r>
+              <a:rPr lang="en-US" sz="2500" dirty="0"/>
+              <a:t>common problems that may have common solutions </a:t>
+            </a:r>
+            <a:endParaRPr lang="en-US" sz="2500" dirty="0" smtClean="0"/>
+          </a:p>
+          <a:p>
+            <a:pPr>
+              <a:buFont typeface="Wingdings" charset="2"/>
+              <a:buChar char="Ø"/>
+            </a:pPr>
+            <a:r>
+              <a:rPr lang="en-US" sz="2500" dirty="0" smtClean="0"/>
+              <a:t>Avoid </a:t>
+            </a:r>
+            <a:r>
+              <a:rPr lang="en-US" sz="2500" dirty="0"/>
+              <a:t>reinventing the </a:t>
+            </a:r>
+            <a:r>
+              <a:rPr lang="en-US" sz="2500" dirty="0" smtClean="0"/>
+              <a:t>wheel</a:t>
+            </a:r>
+          </a:p>
+          <a:p>
+            <a:pPr marL="0" indent="0">
+              <a:buNone/>
+            </a:pPr>
+            <a:endParaRPr lang="en-US" sz="2500" dirty="0" smtClean="0"/>
+          </a:p>
+          <a:p>
+            <a:pPr marL="0" indent="0">
+              <a:buNone/>
+            </a:pPr>
+            <a:r>
+              <a:rPr lang="en-US" sz="2500" dirty="0" smtClean="0"/>
+              <a:t>Any </a:t>
+            </a:r>
+            <a:r>
+              <a:rPr lang="en-US" sz="2500" dirty="0"/>
+              <a:t>messaging system has a few building blocks to work with, such as Messages, Channels, Transformers, etc. These are identified as </a:t>
+            </a:r>
+            <a:r>
+              <a:rPr lang="en-US" sz="2500" dirty="0" smtClean="0"/>
+              <a:t>patterns. </a:t>
+            </a:r>
+            <a:endParaRPr lang="en-US" sz="2500" dirty="0"/>
+          </a:p>
+          <a:p>
+            <a:pPr marL="0" indent="0">
+              <a:buNone/>
+            </a:pPr>
+            <a:endParaRPr lang="en-US" sz="2500" dirty="0"/>
+          </a:p>
+          <a:p>
+            <a:pPr marL="0" indent="0">
+              <a:buNone/>
+            </a:pPr>
+            <a:endParaRPr lang="en-US" sz="2500" dirty="0"/>
+          </a:p>
+          <a:p>
+            <a:pPr marL="0" indent="0">
+              <a:buNone/>
+            </a:pPr>
+            <a:endParaRPr lang="en-US" sz="2500" dirty="0"/>
+          </a:p>
+          <a:p>
+            <a:pPr marL="0" indent="0">
+              <a:buNone/>
+            </a:pPr>
+            <a:endParaRPr lang="en-US" sz="2500" dirty="0"/>
+          </a:p>
+        </p:txBody>
+      </p:sp>
+    </p:spTree>
+    <p:extLst>
+      <p:ext uri="{BB962C8B-B14F-4D97-AF65-F5344CB8AC3E}">
+        <p14:creationId xmlns:p14="http://schemas.microsoft.com/office/powerpoint/2010/main" val="122240463"/>
+      </p:ext>
+    </p:extLst>
+  </p:cSld>
+  <p:clrMapOvr>
+    <a:masterClrMapping/>
+  </p:clrMapOvr>
+</p:sld>
+</file>
+
+<file path=ppt/slides/slide6.xml><?xml version="1.0" encoding="utf-8"?>
+<p:sld xmlns:a="http://schemas.openxmlformats.org/drawingml/2006/main" xmlns:r="http://schemas.openxmlformats.org/officeDocument/2006/relationships" xmlns:p="http://schemas.openxmlformats.org/presentationml/2006/main">
+  <p:cSld>
+    <p:spTree>
+      <p:nvGrpSpPr>
+        <p:cNvPr id="1" name=""/>
+        <p:cNvGrpSpPr/>
+        <p:nvPr/>
+      </p:nvGrpSpPr>
+      <p:grpSpPr>
+        <a:xfrm>
+          <a:off x="0" y="0"/>
+          <a:ext cx="0" cy="0"/>
+          <a:chOff x="0" y="0"/>
+          <a:chExt cx="0" cy="0"/>
+        </a:xfrm>
+      </p:grpSpPr>
+      <p:sp>
+        <p:nvSpPr>
+          <p:cNvPr id="9" name="Title 8"/>
+          <p:cNvSpPr>
+            <a:spLocks noGrp="1"/>
+          </p:cNvSpPr>
+          <p:nvPr>
+            <p:ph type="title"/>
+          </p:nvPr>
+        </p:nvSpPr>
+        <p:spPr/>
+        <p:txBody>
+          <a:bodyPr>
+            <a:normAutofit/>
+          </a:bodyPr>
+          <a:lstStyle/>
+          <a:p>
+            <a:pPr algn="l"/>
+            <a:r>
+              <a:rPr lang="en-US" sz="3000" dirty="0" smtClean="0"/>
+              <a:t>What is SI?</a:t>
+            </a:r>
+            <a:endParaRPr lang="en-US" sz="3000" dirty="0"/>
+          </a:p>
+        </p:txBody>
+      </p:sp>
+      <p:sp>
+        <p:nvSpPr>
+          <p:cNvPr id="10" name="Vertical Text Placeholder 9"/>
+          <p:cNvSpPr>
+            <a:spLocks noGrp="1"/>
+          </p:cNvSpPr>
+          <p:nvPr>
+            <p:ph type="body" orient="vert" idx="1"/>
+          </p:nvPr>
+        </p:nvSpPr>
+        <p:spPr/>
+        <p:txBody>
+          <a:bodyPr vert="horz">
+            <a:noAutofit/>
+          </a:bodyPr>
+          <a:lstStyle/>
+          <a:p>
             <a:r>
               <a:rPr lang="en-US" sz="2500" dirty="0"/>
               <a:t>Light-weight messaging framework</a:t>
@@ -3673,11 +3856,76 @@
           <a:p>
             <a:r>
               <a:rPr lang="en-US" sz="2500" dirty="0"/>
-              <a:t>Provides an adapter-based platform</a:t>
-            </a:r>
-            <a:endParaRPr lang="en-US" sz="2500" b="1" dirty="0"/>
-          </a:p>
-          <a:p>
+              <a:t>Provides an adapter-based </a:t>
+            </a:r>
+            <a:r>
+              <a:rPr lang="en-US" sz="2500" dirty="0" smtClean="0"/>
+              <a:t>platform</a:t>
+            </a:r>
+          </a:p>
+          <a:p>
+            <a:r>
+              <a:rPr lang="en-US" sz="2500" dirty="0" smtClean="0">
+                <a:solidFill>
+                  <a:schemeClr val="bg1">
+                    <a:lumMod val="65000"/>
+                  </a:schemeClr>
+                </a:solidFill>
+              </a:rPr>
+              <a:t>I</a:t>
+            </a:r>
+            <a:r>
+              <a:rPr lang="en-US" sz="2500" dirty="0" smtClean="0">
+                <a:solidFill>
+                  <a:schemeClr val="bg1">
+                    <a:lumMod val="65000"/>
+                  </a:schemeClr>
+                </a:solidFill>
+              </a:rPr>
+              <a:t>mplement </a:t>
+            </a:r>
+            <a:r>
+              <a:rPr lang="en-US" sz="2500" dirty="0">
+                <a:solidFill>
+                  <a:schemeClr val="bg1">
+                    <a:lumMod val="65000"/>
+                  </a:schemeClr>
+                </a:solidFill>
+              </a:rPr>
+              <a:t>well-known Enterprise </a:t>
+            </a:r>
+            <a:r>
+              <a:rPr lang="en-US" sz="2500" dirty="0" smtClean="0">
+                <a:solidFill>
+                  <a:schemeClr val="bg1">
+                    <a:lumMod val="65000"/>
+                  </a:schemeClr>
+                </a:solidFill>
+              </a:rPr>
+              <a:t>Application </a:t>
+            </a:r>
+            <a:r>
+              <a:rPr lang="en-US" sz="2500" dirty="0">
+                <a:solidFill>
+                  <a:schemeClr val="bg1">
+                    <a:lumMod val="65000"/>
+                  </a:schemeClr>
+                </a:solidFill>
+              </a:rPr>
+              <a:t>Integration (EAI) patterns. </a:t>
+            </a:r>
+            <a:endParaRPr lang="en-US" sz="2500" dirty="0">
+              <a:solidFill>
+                <a:schemeClr val="bg1">
+                  <a:lumMod val="65000"/>
+                </a:schemeClr>
+              </a:solidFill>
+            </a:endParaRPr>
+          </a:p>
+          <a:p>
+            <a:pPr marL="0" indent="0">
+              <a:buNone/>
+            </a:pPr>
             <a:endParaRPr lang="en-US" sz="2500" b="1" dirty="0"/>
           </a:p>
           <a:p>
@@ -3755,7 +4003,7 @@
 </p:sld>
 </file>
 
-<file path=ppt/slides/slide6.xml><?xml version="1.0" encoding="utf-8"?>
+<file path=ppt/slides/slide7.xml><?xml version="1.0" encoding="utf-8"?>
 <p:sld xmlns:a="http://schemas.openxmlformats.org/drawingml/2006/main" xmlns:r="http://schemas.openxmlformats.org/officeDocument/2006/relationships" xmlns:p="http://schemas.openxmlformats.org/presentationml/2006/main">
   <p:cSld>
     <p:spTree>
@@ -3915,7 +4163,6 @@
               <a:rPr lang="en-US" sz="2000" dirty="0" smtClean="0"/>
               <a:t>Book – Just Spring Integration</a:t>
             </a:r>
-            <a:endParaRPr lang="en-US" sz="2000" dirty="0" smtClean="0"/>
           </a:p>
         </p:txBody>
       </p:sp>

--- a/cafe/docs/Spring_Integration.pptx
+++ b/cafe/docs/Spring_Integration.pptx
@@ -4,6 +4,9 @@
   <p:sldMasterIdLst>
     <p:sldMasterId id="2147483648" r:id="rId1"/>
   </p:sldMasterIdLst>
+  <p:notesMasterIdLst>
+    <p:notesMasterId r:id="rId9"/>
+  </p:notesMasterIdLst>
   <p:sldIdLst>
     <p:sldId id="260" r:id="rId2"/>
     <p:sldId id="259" r:id="rId3"/>
@@ -111,6 +114,875 @@
     </a:lvl9pPr>
   </p:defaultTextStyle>
 </p:presentation>
+</file>
+
+<file path=ppt/notesMasters/notesMaster1.xml><?xml version="1.0" encoding="utf-8"?>
+<p:notesMaster xmlns:a="http://schemas.openxmlformats.org/drawingml/2006/main" xmlns:r="http://schemas.openxmlformats.org/officeDocument/2006/relationships" xmlns:p="http://schemas.openxmlformats.org/presentationml/2006/main">
+  <p:cSld>
+    <p:bg>
+      <p:bgRef idx="1001">
+        <a:schemeClr val="bg1"/>
+      </p:bgRef>
+    </p:bg>
+    <p:spTree>
+      <p:nvGrpSpPr>
+        <p:cNvPr id="1" name=""/>
+        <p:cNvGrpSpPr/>
+        <p:nvPr/>
+      </p:nvGrpSpPr>
+      <p:grpSpPr>
+        <a:xfrm>
+          <a:off x="0" y="0"/>
+          <a:ext cx="0" cy="0"/>
+          <a:chOff x="0" y="0"/>
+          <a:chExt cx="0" cy="0"/>
+        </a:xfrm>
+      </p:grpSpPr>
+      <p:sp>
+        <p:nvSpPr>
+          <p:cNvPr id="2" name="Header Placeholder 1"/>
+          <p:cNvSpPr>
+            <a:spLocks noGrp="1"/>
+          </p:cNvSpPr>
+          <p:nvPr>
+            <p:ph type="hdr" sz="quarter"/>
+          </p:nvPr>
+        </p:nvSpPr>
+        <p:spPr>
+          <a:xfrm>
+            <a:off x="0" y="0"/>
+            <a:ext cx="2971800" cy="457200"/>
+          </a:xfrm>
+          <a:prstGeom prst="rect">
+            <a:avLst/>
+          </a:prstGeom>
+        </p:spPr>
+        <p:txBody>
+          <a:bodyPr vert="horz" lIns="91440" tIns="45720" rIns="91440" bIns="45720" rtlCol="0"/>
+          <a:lstStyle>
+            <a:lvl1pPr algn="l">
+              <a:defRPr sz="1200"/>
+            </a:lvl1pPr>
+          </a:lstStyle>
+          <a:p>
+            <a:endParaRPr lang="en-US"/>
+          </a:p>
+        </p:txBody>
+      </p:sp>
+      <p:sp>
+        <p:nvSpPr>
+          <p:cNvPr id="3" name="Date Placeholder 2"/>
+          <p:cNvSpPr>
+            <a:spLocks noGrp="1"/>
+          </p:cNvSpPr>
+          <p:nvPr>
+            <p:ph type="dt" idx="1"/>
+          </p:nvPr>
+        </p:nvSpPr>
+        <p:spPr>
+          <a:xfrm>
+            <a:off x="3884613" y="0"/>
+            <a:ext cx="2971800" cy="457200"/>
+          </a:xfrm>
+          <a:prstGeom prst="rect">
+            <a:avLst/>
+          </a:prstGeom>
+        </p:spPr>
+        <p:txBody>
+          <a:bodyPr vert="horz" lIns="91440" tIns="45720" rIns="91440" bIns="45720" rtlCol="0"/>
+          <a:lstStyle>
+            <a:lvl1pPr algn="r">
+              <a:defRPr sz="1200"/>
+            </a:lvl1pPr>
+          </a:lstStyle>
+          <a:p>
+            <a:fld id="{69D23B5F-BA0D-4844-B689-54432848508B}" type="datetimeFigureOut">
+              <a:rPr lang="en-US" smtClean="0"/>
+              <a:t>5/3/16</a:t>
+            </a:fld>
+            <a:endParaRPr lang="en-US"/>
+          </a:p>
+        </p:txBody>
+      </p:sp>
+      <p:sp>
+        <p:nvSpPr>
+          <p:cNvPr id="4" name="Slide Image Placeholder 3"/>
+          <p:cNvSpPr>
+            <a:spLocks noGrp="1" noRot="1" noChangeAspect="1"/>
+          </p:cNvSpPr>
+          <p:nvPr>
+            <p:ph type="sldImg" idx="2"/>
+          </p:nvPr>
+        </p:nvSpPr>
+        <p:spPr>
+          <a:xfrm>
+            <a:off x="1143000" y="685800"/>
+            <a:ext cx="4572000" cy="3429000"/>
+          </a:xfrm>
+          <a:prstGeom prst="rect">
+            <a:avLst/>
+          </a:prstGeom>
+          <a:noFill/>
+          <a:ln w="12700">
+            <a:solidFill>
+              <a:prstClr val="black"/>
+            </a:solidFill>
+          </a:ln>
+        </p:spPr>
+        <p:txBody>
+          <a:bodyPr vert="horz" lIns="91440" tIns="45720" rIns="91440" bIns="45720" rtlCol="0" anchor="ctr"/>
+          <a:lstStyle/>
+          <a:p>
+            <a:endParaRPr lang="en-US"/>
+          </a:p>
+        </p:txBody>
+      </p:sp>
+      <p:sp>
+        <p:nvSpPr>
+          <p:cNvPr id="5" name="Notes Placeholder 4"/>
+          <p:cNvSpPr>
+            <a:spLocks noGrp="1"/>
+          </p:cNvSpPr>
+          <p:nvPr>
+            <p:ph type="body" sz="quarter" idx="3"/>
+          </p:nvPr>
+        </p:nvSpPr>
+        <p:spPr>
+          <a:xfrm>
+            <a:off x="685800" y="4343400"/>
+            <a:ext cx="5486400" cy="4114800"/>
+          </a:xfrm>
+          <a:prstGeom prst="rect">
+            <a:avLst/>
+          </a:prstGeom>
+        </p:spPr>
+        <p:txBody>
+          <a:bodyPr vert="horz" lIns="91440" tIns="45720" rIns="91440" bIns="45720" rtlCol="0"/>
+          <a:lstStyle/>
+          <a:p>
+            <a:pPr lvl="0"/>
+            <a:r>
+              <a:rPr lang="en-US" smtClean="0"/>
+              <a:t>Click to edit Master text styles</a:t>
+            </a:r>
+          </a:p>
+          <a:p>
+            <a:pPr lvl="1"/>
+            <a:r>
+              <a:rPr lang="en-US" smtClean="0"/>
+              <a:t>Second level</a:t>
+            </a:r>
+          </a:p>
+          <a:p>
+            <a:pPr lvl="2"/>
+            <a:r>
+              <a:rPr lang="en-US" smtClean="0"/>
+              <a:t>Third level</a:t>
+            </a:r>
+          </a:p>
+          <a:p>
+            <a:pPr lvl="3"/>
+            <a:r>
+              <a:rPr lang="en-US" smtClean="0"/>
+              <a:t>Fourth level</a:t>
+            </a:r>
+          </a:p>
+          <a:p>
+            <a:pPr lvl="4"/>
+            <a:r>
+              <a:rPr lang="en-US" smtClean="0"/>
+              <a:t>Fifth level</a:t>
+            </a:r>
+            <a:endParaRPr lang="en-US"/>
+          </a:p>
+        </p:txBody>
+      </p:sp>
+      <p:sp>
+        <p:nvSpPr>
+          <p:cNvPr id="6" name="Footer Placeholder 5"/>
+          <p:cNvSpPr>
+            <a:spLocks noGrp="1"/>
+          </p:cNvSpPr>
+          <p:nvPr>
+            <p:ph type="ftr" sz="quarter" idx="4"/>
+          </p:nvPr>
+        </p:nvSpPr>
+        <p:spPr>
+          <a:xfrm>
+            <a:off x="0" y="8685213"/>
+            <a:ext cx="2971800" cy="457200"/>
+          </a:xfrm>
+          <a:prstGeom prst="rect">
+            <a:avLst/>
+          </a:prstGeom>
+        </p:spPr>
+        <p:txBody>
+          <a:bodyPr vert="horz" lIns="91440" tIns="45720" rIns="91440" bIns="45720" rtlCol="0" anchor="b"/>
+          <a:lstStyle>
+            <a:lvl1pPr algn="l">
+              <a:defRPr sz="1200"/>
+            </a:lvl1pPr>
+          </a:lstStyle>
+          <a:p>
+            <a:endParaRPr lang="en-US"/>
+          </a:p>
+        </p:txBody>
+      </p:sp>
+      <p:sp>
+        <p:nvSpPr>
+          <p:cNvPr id="7" name="Slide Number Placeholder 6"/>
+          <p:cNvSpPr>
+            <a:spLocks noGrp="1"/>
+          </p:cNvSpPr>
+          <p:nvPr>
+            <p:ph type="sldNum" sz="quarter" idx="5"/>
+          </p:nvPr>
+        </p:nvSpPr>
+        <p:spPr>
+          <a:xfrm>
+            <a:off x="3884613" y="8685213"/>
+            <a:ext cx="2971800" cy="457200"/>
+          </a:xfrm>
+          <a:prstGeom prst="rect">
+            <a:avLst/>
+          </a:prstGeom>
+        </p:spPr>
+        <p:txBody>
+          <a:bodyPr vert="horz" lIns="91440" tIns="45720" rIns="91440" bIns="45720" rtlCol="0" anchor="b"/>
+          <a:lstStyle>
+            <a:lvl1pPr algn="r">
+              <a:defRPr sz="1200"/>
+            </a:lvl1pPr>
+          </a:lstStyle>
+          <a:p>
+            <a:fld id="{8996A29C-02DF-0C46-8028-4A08B5A94F12}" type="slidenum">
+              <a:rPr lang="en-US" smtClean="0"/>
+              <a:t>‹#›</a:t>
+            </a:fld>
+            <a:endParaRPr lang="en-US"/>
+          </a:p>
+        </p:txBody>
+      </p:sp>
+    </p:spTree>
+    <p:extLst>
+      <p:ext uri="{BB962C8B-B14F-4D97-AF65-F5344CB8AC3E}">
+        <p14:creationId xmlns:p14="http://schemas.microsoft.com/office/powerpoint/2010/main" val="2638212980"/>
+      </p:ext>
+    </p:extLst>
+  </p:cSld>
+  <p:clrMap bg1="lt1" tx1="dk1" bg2="lt2" tx2="dk2" accent1="accent1" accent2="accent2" accent3="accent3" accent4="accent4" accent5="accent5" accent6="accent6" hlink="hlink" folHlink="folHlink"/>
+  <p:notesStyle>
+    <a:lvl1pPr marL="0" algn="l" defTabSz="457200" rtl="0" eaLnBrk="1" latinLnBrk="0" hangingPunct="1">
+      <a:defRPr sz="1200" kern="1200">
+        <a:solidFill>
+          <a:schemeClr val="tx1"/>
+        </a:solidFill>
+        <a:latin typeface="+mn-lt"/>
+        <a:ea typeface="+mn-ea"/>
+        <a:cs typeface="+mn-cs"/>
+      </a:defRPr>
+    </a:lvl1pPr>
+    <a:lvl2pPr marL="457200" algn="l" defTabSz="457200" rtl="0" eaLnBrk="1" latinLnBrk="0" hangingPunct="1">
+      <a:defRPr sz="1200" kern="1200">
+        <a:solidFill>
+          <a:schemeClr val="tx1"/>
+        </a:solidFill>
+        <a:latin typeface="+mn-lt"/>
+        <a:ea typeface="+mn-ea"/>
+        <a:cs typeface="+mn-cs"/>
+      </a:defRPr>
+    </a:lvl2pPr>
+    <a:lvl3pPr marL="914400" algn="l" defTabSz="457200" rtl="0" eaLnBrk="1" latinLnBrk="0" hangingPunct="1">
+      <a:defRPr sz="1200" kern="1200">
+        <a:solidFill>
+          <a:schemeClr val="tx1"/>
+        </a:solidFill>
+        <a:latin typeface="+mn-lt"/>
+        <a:ea typeface="+mn-ea"/>
+        <a:cs typeface="+mn-cs"/>
+      </a:defRPr>
+    </a:lvl3pPr>
+    <a:lvl4pPr marL="1371600" algn="l" defTabSz="457200" rtl="0" eaLnBrk="1" latinLnBrk="0" hangingPunct="1">
+      <a:defRPr sz="1200" kern="1200">
+        <a:solidFill>
+          <a:schemeClr val="tx1"/>
+        </a:solidFill>
+        <a:latin typeface="+mn-lt"/>
+        <a:ea typeface="+mn-ea"/>
+        <a:cs typeface="+mn-cs"/>
+      </a:defRPr>
+    </a:lvl4pPr>
+    <a:lvl5pPr marL="1828800" algn="l" defTabSz="457200" rtl="0" eaLnBrk="1" latinLnBrk="0" hangingPunct="1">
+      <a:defRPr sz="1200" kern="1200">
+        <a:solidFill>
+          <a:schemeClr val="tx1"/>
+        </a:solidFill>
+        <a:latin typeface="+mn-lt"/>
+        <a:ea typeface="+mn-ea"/>
+        <a:cs typeface="+mn-cs"/>
+      </a:defRPr>
+    </a:lvl5pPr>
+    <a:lvl6pPr marL="2286000" algn="l" defTabSz="457200" rtl="0" eaLnBrk="1" latinLnBrk="0" hangingPunct="1">
+      <a:defRPr sz="1200" kern="1200">
+        <a:solidFill>
+          <a:schemeClr val="tx1"/>
+        </a:solidFill>
+        <a:latin typeface="+mn-lt"/>
+        <a:ea typeface="+mn-ea"/>
+        <a:cs typeface="+mn-cs"/>
+      </a:defRPr>
+    </a:lvl6pPr>
+    <a:lvl7pPr marL="2743200" algn="l" defTabSz="457200" rtl="0" eaLnBrk="1" latinLnBrk="0" hangingPunct="1">
+      <a:defRPr sz="1200" kern="1200">
+        <a:solidFill>
+          <a:schemeClr val="tx1"/>
+        </a:solidFill>
+        <a:latin typeface="+mn-lt"/>
+        <a:ea typeface="+mn-ea"/>
+        <a:cs typeface="+mn-cs"/>
+      </a:defRPr>
+    </a:lvl7pPr>
+    <a:lvl8pPr marL="3200400" algn="l" defTabSz="457200" rtl="0" eaLnBrk="1" latinLnBrk="0" hangingPunct="1">
+      <a:defRPr sz="1200" kern="1200">
+        <a:solidFill>
+          <a:schemeClr val="tx1"/>
+        </a:solidFill>
+        <a:latin typeface="+mn-lt"/>
+        <a:ea typeface="+mn-ea"/>
+        <a:cs typeface="+mn-cs"/>
+      </a:defRPr>
+    </a:lvl8pPr>
+    <a:lvl9pPr marL="3657600" algn="l" defTabSz="457200" rtl="0" eaLnBrk="1" latinLnBrk="0" hangingPunct="1">
+      <a:defRPr sz="1200" kern="1200">
+        <a:solidFill>
+          <a:schemeClr val="tx1"/>
+        </a:solidFill>
+        <a:latin typeface="+mn-lt"/>
+        <a:ea typeface="+mn-ea"/>
+        <a:cs typeface="+mn-cs"/>
+      </a:defRPr>
+    </a:lvl9pPr>
+  </p:notesStyle>
+</p:notesMaster>
+</file>
+
+<file path=ppt/notesSlides/notesSlide1.xml><?xml version="1.0" encoding="utf-8"?>
+<p:notes xmlns:a="http://schemas.openxmlformats.org/drawingml/2006/main" xmlns:r="http://schemas.openxmlformats.org/officeDocument/2006/relationships" xmlns:p="http://schemas.openxmlformats.org/presentationml/2006/main">
+  <p:cSld>
+    <p:spTree>
+      <p:nvGrpSpPr>
+        <p:cNvPr id="1" name=""/>
+        <p:cNvGrpSpPr/>
+        <p:nvPr/>
+      </p:nvGrpSpPr>
+      <p:grpSpPr>
+        <a:xfrm>
+          <a:off x="0" y="0"/>
+          <a:ext cx="0" cy="0"/>
+          <a:chOff x="0" y="0"/>
+          <a:chExt cx="0" cy="0"/>
+        </a:xfrm>
+      </p:grpSpPr>
+      <p:sp>
+        <p:nvSpPr>
+          <p:cNvPr id="2" name="Slide Image Placeholder 1"/>
+          <p:cNvSpPr>
+            <a:spLocks noGrp="1" noRot="1" noChangeAspect="1"/>
+          </p:cNvSpPr>
+          <p:nvPr>
+            <p:ph type="sldImg"/>
+          </p:nvPr>
+        </p:nvSpPr>
+        <p:spPr/>
+      </p:sp>
+      <p:sp>
+        <p:nvSpPr>
+          <p:cNvPr id="3" name="Notes Placeholder 2"/>
+          <p:cNvSpPr>
+            <a:spLocks noGrp="1"/>
+          </p:cNvSpPr>
+          <p:nvPr>
+            <p:ph type="body" idx="1"/>
+          </p:nvPr>
+        </p:nvSpPr>
+        <p:spPr/>
+        <p:txBody>
+          <a:bodyPr/>
+          <a:lstStyle/>
+          <a:p>
+            <a:pPr marL="0" marR="0" indent="0" algn="l" defTabSz="457200" rtl="0" eaLnBrk="1" fontAlgn="auto" latinLnBrk="0" hangingPunct="1">
+              <a:lnSpc>
+                <a:spcPct val="100000"/>
+              </a:lnSpc>
+              <a:spcBef>
+                <a:spcPts val="0"/>
+              </a:spcBef>
+              <a:spcAft>
+                <a:spcPts val="0"/>
+              </a:spcAft>
+              <a:buClrTx/>
+              <a:buSzTx/>
+              <a:buFontTx/>
+              <a:buNone/>
+              <a:tabLst/>
+              <a:defRPr/>
+            </a:pPr>
+            <a:r>
+              <a:rPr lang="en-US" dirty="0" smtClean="0"/>
+              <a:t>I. Channels</a:t>
+            </a:r>
+          </a:p>
+          <a:p>
+            <a:pPr marL="0" marR="0" indent="0" algn="l" defTabSz="457200" rtl="0" eaLnBrk="1" fontAlgn="auto" latinLnBrk="0" hangingPunct="1">
+              <a:lnSpc>
+                <a:spcPct val="100000"/>
+              </a:lnSpc>
+              <a:spcBef>
+                <a:spcPts val="0"/>
+              </a:spcBef>
+              <a:spcAft>
+                <a:spcPts val="0"/>
+              </a:spcAft>
+              <a:buClrTx/>
+              <a:buSzTx/>
+              <a:buFontTx/>
+              <a:buNone/>
+              <a:tabLst/>
+              <a:defRPr/>
+            </a:pPr>
+            <a:r>
+              <a:rPr lang="en-US" dirty="0" smtClean="0"/>
+              <a:t>1. </a:t>
+            </a:r>
+            <a:r>
+              <a:rPr lang="en-US" sz="1200" kern="1200" dirty="0" smtClean="0">
+                <a:solidFill>
+                  <a:schemeClr val="tx1"/>
+                </a:solidFill>
+                <a:effectLst/>
+                <a:latin typeface="+mn-lt"/>
+                <a:ea typeface="+mn-ea"/>
+                <a:cs typeface="+mn-cs"/>
+              </a:rPr>
+              <a:t>The decoupling of the sender and receiver components is primarily achieved by using </a:t>
+            </a:r>
+            <a:r>
+              <a:rPr lang="en-US" sz="1200" b="1" kern="1200" dirty="0" smtClean="0">
+                <a:solidFill>
+                  <a:schemeClr val="tx1"/>
+                </a:solidFill>
+                <a:effectLst/>
+                <a:latin typeface="+mn-lt"/>
+                <a:ea typeface="+mn-ea"/>
+                <a:cs typeface="+mn-cs"/>
+              </a:rPr>
+              <a:t>channels </a:t>
+            </a:r>
+            <a:endParaRPr lang="en-US" b="1" dirty="0" smtClean="0"/>
+          </a:p>
+          <a:p>
+            <a:pPr marL="0" marR="0" indent="0" algn="l" defTabSz="457200" rtl="0" eaLnBrk="1" fontAlgn="auto" latinLnBrk="0" hangingPunct="1">
+              <a:lnSpc>
+                <a:spcPct val="100000"/>
+              </a:lnSpc>
+              <a:spcBef>
+                <a:spcPts val="0"/>
+              </a:spcBef>
+              <a:spcAft>
+                <a:spcPts val="0"/>
+              </a:spcAft>
+              <a:buClrTx/>
+              <a:buSzTx/>
+              <a:buFontTx/>
+              <a:buNone/>
+              <a:tabLst/>
+              <a:defRPr/>
+            </a:pPr>
+            <a:r>
+              <a:rPr lang="en-US" dirty="0" smtClean="0"/>
+              <a:t>2. 2 Modes: </a:t>
+            </a:r>
+            <a:r>
+              <a:rPr lang="en-US" sz="1200" kern="1200" dirty="0" smtClean="0">
+                <a:solidFill>
+                  <a:schemeClr val="tx1"/>
+                </a:solidFill>
+                <a:effectLst/>
+                <a:latin typeface="+mn-lt"/>
+                <a:ea typeface="+mn-ea"/>
+                <a:cs typeface="+mn-cs"/>
+              </a:rPr>
+              <a:t>Point-to-Point (P2P) </a:t>
+            </a:r>
+            <a:r>
+              <a:rPr lang="en-US" sz="1200" kern="1200" dirty="0" smtClean="0">
+                <a:solidFill>
+                  <a:schemeClr val="tx1"/>
+                </a:solidFill>
+                <a:effectLst/>
+                <a:latin typeface="+mn-lt"/>
+                <a:ea typeface="+mn-ea"/>
+                <a:cs typeface="+mn-cs"/>
+              </a:rPr>
+              <a:t>and</a:t>
+            </a:r>
+            <a:r>
+              <a:rPr lang="en-US" sz="1200" kern="1200" dirty="0" smtClean="0">
+                <a:solidFill>
+                  <a:schemeClr val="tx1"/>
+                </a:solidFill>
+                <a:effectLst/>
+                <a:latin typeface="+mn-lt"/>
+                <a:ea typeface="+mn-ea"/>
+                <a:cs typeface="+mn-cs"/>
+              </a:rPr>
+              <a:t> Publish/Subscribe (Pub/Sub)</a:t>
+            </a:r>
+          </a:p>
+          <a:p>
+            <a:pPr marL="0" marR="0" indent="0" algn="l" defTabSz="457200" rtl="0" eaLnBrk="1" fontAlgn="auto" latinLnBrk="0" hangingPunct="1">
+              <a:lnSpc>
+                <a:spcPct val="100000"/>
+              </a:lnSpc>
+              <a:spcBef>
+                <a:spcPts val="0"/>
+              </a:spcBef>
+              <a:spcAft>
+                <a:spcPts val="0"/>
+              </a:spcAft>
+              <a:buClrTx/>
+              <a:buSzTx/>
+              <a:buFontTx/>
+              <a:buNone/>
+              <a:tabLst/>
+              <a:defRPr/>
+            </a:pPr>
+            <a:r>
+              <a:rPr lang="en-US" sz="1200" kern="1200" dirty="0" smtClean="0">
+                <a:solidFill>
+                  <a:schemeClr val="tx1"/>
+                </a:solidFill>
+                <a:effectLst/>
+                <a:latin typeface="+mn-lt"/>
+                <a:ea typeface="+mn-ea"/>
+                <a:cs typeface="+mn-cs"/>
+              </a:rPr>
+              <a:t>3. M</a:t>
+            </a:r>
+            <a:r>
+              <a:rPr lang="en-US" sz="1200" kern="1200" dirty="0" smtClean="0">
+                <a:solidFill>
+                  <a:schemeClr val="tx1"/>
+                </a:solidFill>
+                <a:effectLst/>
+                <a:latin typeface="+mn-lt"/>
+                <a:ea typeface="+mn-ea"/>
+                <a:cs typeface="+mn-cs"/>
+              </a:rPr>
+              <a:t>essage buffering - </a:t>
+            </a:r>
+            <a:r>
+              <a:rPr lang="en-US" sz="1200" kern="1200" dirty="0" smtClean="0">
+                <a:solidFill>
+                  <a:schemeClr val="tx1"/>
+                </a:solidFill>
+                <a:effectLst/>
+                <a:latin typeface="+mn-lt"/>
+                <a:ea typeface="+mn-ea"/>
+                <a:cs typeface="+mn-cs"/>
+              </a:rPr>
+              <a:t>t</a:t>
+            </a:r>
+            <a:r>
+              <a:rPr lang="en-US" sz="1200" kern="1200" dirty="0" smtClean="0">
+                <a:solidFill>
+                  <a:schemeClr val="tx1"/>
+                </a:solidFill>
+                <a:effectLst/>
+                <a:latin typeface="+mn-lt"/>
+                <a:ea typeface="+mn-ea"/>
+                <a:cs typeface="+mn-cs"/>
+              </a:rPr>
+              <a:t>he incoming messages are buffered in order to stop flooding the consumers </a:t>
+            </a:r>
+          </a:p>
+          <a:p>
+            <a:pPr marL="0" marR="0" indent="0" algn="l" defTabSz="457200" rtl="0" eaLnBrk="1" fontAlgn="auto" latinLnBrk="0" hangingPunct="1">
+              <a:lnSpc>
+                <a:spcPct val="100000"/>
+              </a:lnSpc>
+              <a:spcBef>
+                <a:spcPts val="0"/>
+              </a:spcBef>
+              <a:spcAft>
+                <a:spcPts val="0"/>
+              </a:spcAft>
+              <a:buClrTx/>
+              <a:buSzTx/>
+              <a:buFontTx/>
+              <a:buNone/>
+              <a:tabLst/>
+              <a:defRPr/>
+            </a:pPr>
+            <a:r>
+              <a:rPr lang="en-US" sz="1200" kern="1200" dirty="0" smtClean="0">
+                <a:solidFill>
+                  <a:schemeClr val="tx1"/>
+                </a:solidFill>
+                <a:effectLst/>
+                <a:latin typeface="+mn-lt"/>
+                <a:ea typeface="+mn-ea"/>
+                <a:cs typeface="+mn-cs"/>
+              </a:rPr>
+              <a:t>4. C</a:t>
+            </a:r>
+            <a:r>
+              <a:rPr lang="en-US" sz="1200" kern="1200" dirty="0" smtClean="0">
+                <a:solidFill>
+                  <a:schemeClr val="tx1"/>
+                </a:solidFill>
+                <a:effectLst/>
+                <a:latin typeface="+mn-lt"/>
+                <a:ea typeface="+mn-ea"/>
+                <a:cs typeface="+mn-cs"/>
+              </a:rPr>
+              <a:t>lients choose the channels depending on delivery mode (P2P or Pub/Sub) and buffering or non-buffering semantics </a:t>
+            </a:r>
+          </a:p>
+          <a:p>
+            <a:pPr marL="0" marR="0" indent="0" algn="l" defTabSz="457200" rtl="0" eaLnBrk="1" fontAlgn="auto" latinLnBrk="0" hangingPunct="1">
+              <a:lnSpc>
+                <a:spcPct val="100000"/>
+              </a:lnSpc>
+              <a:spcBef>
+                <a:spcPts val="0"/>
+              </a:spcBef>
+              <a:spcAft>
+                <a:spcPts val="0"/>
+              </a:spcAft>
+              <a:buClrTx/>
+              <a:buSzTx/>
+              <a:buFontTx/>
+              <a:buNone/>
+              <a:tabLst/>
+              <a:defRPr/>
+            </a:pPr>
+            <a:r>
+              <a:rPr lang="en-US" sz="1200" kern="1200" dirty="0" smtClean="0">
+                <a:solidFill>
+                  <a:schemeClr val="tx1"/>
+                </a:solidFill>
+                <a:effectLst/>
+                <a:latin typeface="+mn-lt"/>
+                <a:ea typeface="+mn-ea"/>
+                <a:cs typeface="+mn-cs"/>
+              </a:rPr>
+              <a:t>II. Endpoints</a:t>
+            </a:r>
+          </a:p>
+          <a:p>
+            <a:pPr marL="0" marR="0" indent="0" algn="l" defTabSz="457200" rtl="0" eaLnBrk="1" fontAlgn="auto" latinLnBrk="0" hangingPunct="1">
+              <a:lnSpc>
+                <a:spcPct val="100000"/>
+              </a:lnSpc>
+              <a:spcBef>
+                <a:spcPts val="0"/>
+              </a:spcBef>
+              <a:spcAft>
+                <a:spcPts val="0"/>
+              </a:spcAft>
+              <a:buClrTx/>
+              <a:buSzTx/>
+              <a:buFontTx/>
+              <a:buNone/>
+              <a:tabLst/>
+              <a:defRPr/>
+            </a:pPr>
+            <a:r>
+              <a:rPr lang="en-US" sz="1200" kern="1200" dirty="0" smtClean="0">
+                <a:solidFill>
+                  <a:schemeClr val="tx1"/>
+                </a:solidFill>
+                <a:effectLst/>
+                <a:latin typeface="+mn-lt"/>
+                <a:ea typeface="+mn-ea"/>
+                <a:cs typeface="+mn-cs"/>
+              </a:rPr>
+              <a:t>1. </a:t>
+            </a:r>
+            <a:r>
+              <a:rPr lang="en-US" sz="1200" kern="1200" dirty="0" smtClean="0">
+                <a:solidFill>
+                  <a:schemeClr val="tx1"/>
+                </a:solidFill>
+                <a:effectLst/>
+                <a:latin typeface="+mn-lt"/>
+                <a:ea typeface="+mn-ea"/>
+                <a:cs typeface="+mn-cs"/>
+              </a:rPr>
+              <a:t>The application code concentrates on implementing the business logic. The connection mechanism, the message sending and receiving and other aspects of messaging are hidden from the application -&gt; Message Endpoints are components that separate business logic from the messaging framework </a:t>
+            </a:r>
+            <a:endParaRPr lang="en-US" dirty="0" smtClean="0"/>
+          </a:p>
+          <a:p>
+            <a:pPr marL="0" marR="0" indent="0" algn="l" defTabSz="457200" rtl="0" eaLnBrk="1" fontAlgn="auto" latinLnBrk="0" hangingPunct="1">
+              <a:lnSpc>
+                <a:spcPct val="100000"/>
+              </a:lnSpc>
+              <a:spcBef>
+                <a:spcPts val="0"/>
+              </a:spcBef>
+              <a:spcAft>
+                <a:spcPts val="0"/>
+              </a:spcAft>
+              <a:buClrTx/>
+              <a:buSzTx/>
+              <a:buFontTx/>
+              <a:buNone/>
+              <a:tabLst/>
+              <a:defRPr/>
+            </a:pPr>
+            <a:r>
+              <a:rPr lang="en-US" sz="1200" kern="1200" dirty="0" smtClean="0">
+                <a:solidFill>
+                  <a:schemeClr val="tx1"/>
+                </a:solidFill>
+                <a:effectLst/>
+                <a:latin typeface="+mn-lt"/>
+                <a:ea typeface="+mn-ea"/>
+                <a:cs typeface="+mn-cs"/>
+              </a:rPr>
+              <a:t> </a:t>
+            </a:r>
+            <a:endParaRPr lang="en-US" dirty="0" smtClean="0"/>
+          </a:p>
+          <a:p>
+            <a:pPr marL="0" marR="0" indent="0" algn="l" defTabSz="457200" rtl="0" eaLnBrk="1" fontAlgn="auto" latinLnBrk="0" hangingPunct="1">
+              <a:lnSpc>
+                <a:spcPct val="100000"/>
+              </a:lnSpc>
+              <a:spcBef>
+                <a:spcPts val="0"/>
+              </a:spcBef>
+              <a:spcAft>
+                <a:spcPts val="0"/>
+              </a:spcAft>
+              <a:buClrTx/>
+              <a:buSzTx/>
+              <a:buFontTx/>
+              <a:buNone/>
+              <a:tabLst/>
+              <a:defRPr/>
+            </a:pPr>
+            <a:endParaRPr lang="en-US" sz="1200" kern="1200" dirty="0" smtClean="0">
+              <a:solidFill>
+                <a:schemeClr val="tx1"/>
+              </a:solidFill>
+              <a:effectLst/>
+              <a:latin typeface="+mn-lt"/>
+              <a:ea typeface="+mn-ea"/>
+              <a:cs typeface="+mn-cs"/>
+            </a:endParaRPr>
+          </a:p>
+          <a:p>
+            <a:pPr marL="0" marR="0" indent="0" algn="l" defTabSz="457200" rtl="0" eaLnBrk="1" fontAlgn="auto" latinLnBrk="0" hangingPunct="1">
+              <a:lnSpc>
+                <a:spcPct val="100000"/>
+              </a:lnSpc>
+              <a:spcBef>
+                <a:spcPts val="0"/>
+              </a:spcBef>
+              <a:spcAft>
+                <a:spcPts val="0"/>
+              </a:spcAft>
+              <a:buClrTx/>
+              <a:buSzTx/>
+              <a:buFontTx/>
+              <a:buNone/>
+              <a:tabLst/>
+              <a:defRPr/>
+            </a:pPr>
+            <a:endParaRPr lang="en-US" dirty="0" smtClean="0"/>
+          </a:p>
+          <a:p>
+            <a:pPr marL="0" marR="0" indent="0" algn="l" defTabSz="457200" rtl="0" eaLnBrk="1" fontAlgn="auto" latinLnBrk="0" hangingPunct="1">
+              <a:lnSpc>
+                <a:spcPct val="100000"/>
+              </a:lnSpc>
+              <a:spcBef>
+                <a:spcPts val="0"/>
+              </a:spcBef>
+              <a:spcAft>
+                <a:spcPts val="0"/>
+              </a:spcAft>
+              <a:buClrTx/>
+              <a:buSzTx/>
+              <a:buFontTx/>
+              <a:buNone/>
+              <a:tabLst/>
+              <a:defRPr/>
+            </a:pPr>
+            <a:endParaRPr lang="en-US" dirty="0" smtClean="0"/>
+          </a:p>
+          <a:p>
+            <a:pPr marL="0" marR="0" indent="0" algn="l" defTabSz="457200" rtl="0" eaLnBrk="1" fontAlgn="auto" latinLnBrk="0" hangingPunct="1">
+              <a:lnSpc>
+                <a:spcPct val="100000"/>
+              </a:lnSpc>
+              <a:spcBef>
+                <a:spcPts val="0"/>
+              </a:spcBef>
+              <a:spcAft>
+                <a:spcPts val="0"/>
+              </a:spcAft>
+              <a:buClrTx/>
+              <a:buSzTx/>
+              <a:buFontTx/>
+              <a:buNone/>
+              <a:tabLst/>
+              <a:defRPr/>
+            </a:pPr>
+            <a:endParaRPr lang="en-US" dirty="0" smtClean="0"/>
+          </a:p>
+          <a:p>
+            <a:endParaRPr lang="en-US" dirty="0"/>
+          </a:p>
+        </p:txBody>
+      </p:sp>
+      <p:sp>
+        <p:nvSpPr>
+          <p:cNvPr id="4" name="Slide Number Placeholder 3"/>
+          <p:cNvSpPr>
+            <a:spLocks noGrp="1"/>
+          </p:cNvSpPr>
+          <p:nvPr>
+            <p:ph type="sldNum" sz="quarter" idx="10"/>
+          </p:nvPr>
+        </p:nvSpPr>
+        <p:spPr/>
+        <p:txBody>
+          <a:bodyPr/>
+          <a:lstStyle/>
+          <a:p>
+            <a:fld id="{8996A29C-02DF-0C46-8028-4A08B5A94F12}" type="slidenum">
+              <a:rPr lang="en-US" smtClean="0"/>
+              <a:t>6</a:t>
+            </a:fld>
+            <a:endParaRPr lang="en-US"/>
+          </a:p>
+        </p:txBody>
+      </p:sp>
+    </p:spTree>
+    <p:extLst>
+      <p:ext uri="{BB962C8B-B14F-4D97-AF65-F5344CB8AC3E}">
+        <p14:creationId xmlns:p14="http://schemas.microsoft.com/office/powerpoint/2010/main" val="2766628980"/>
+      </p:ext>
+    </p:extLst>
+  </p:cSld>
+  <p:clrMapOvr>
+    <a:masterClrMapping/>
+  </p:clrMapOvr>
+</p:notes>
 </file>
 
 <file path=ppt/slideLayouts/slideLayout1.xml><?xml version="1.0" encoding="utf-8"?>
@@ -3123,7 +3995,15 @@
           <a:p>
             <a:r>
               <a:rPr lang="en-US" dirty="0" smtClean="0"/>
-              <a:t>Introduction to </a:t>
+              <a:t>An </a:t>
+            </a:r>
+            <a:r>
+              <a:rPr lang="en-US" dirty="0" smtClean="0"/>
+              <a:t>Introduction </a:t>
+            </a:r>
+            <a:r>
+              <a:rPr lang="en-US" dirty="0" smtClean="0"/>
+              <a:t>to </a:t>
             </a:r>
             <a:br>
               <a:rPr lang="en-US" dirty="0" smtClean="0"/>
@@ -3975,7 +4855,7 @@
           <p:nvPr/>
         </p:nvPicPr>
         <p:blipFill>
-          <a:blip r:embed="rId2"/>
+          <a:blip r:embed="rId3"/>
           <a:stretch>
             <a:fillRect/>
           </a:stretch>
@@ -4497,4 +5377,324 @@
   </a:objectDefaults>
   <a:extraClrSchemeLst/>
 </a:theme>
+</file>
+
+<file path=ppt/theme/theme2.xml><?xml version="1.0" encoding="utf-8"?>
+<a:theme xmlns:a="http://schemas.openxmlformats.org/drawingml/2006/main" name="Office Theme">
+  <a:themeElements>
+    <a:clrScheme name="Office">
+      <a:dk1>
+        <a:sysClr val="windowText" lastClr="000000"/>
+      </a:dk1>
+      <a:lt1>
+        <a:sysClr val="window" lastClr="FFFFFF"/>
+      </a:lt1>
+      <a:dk2>
+        <a:srgbClr val="1F497D"/>
+      </a:dk2>
+      <a:lt2>
+        <a:srgbClr val="EEECE1"/>
+      </a:lt2>
+      <a:accent1>
+        <a:srgbClr val="4F81BD"/>
+      </a:accent1>
+      <a:accent2>
+        <a:srgbClr val="C0504D"/>
+      </a:accent2>
+      <a:accent3>
+        <a:srgbClr val="9BBB59"/>
+      </a:accent3>
+      <a:accent4>
+        <a:srgbClr val="8064A2"/>
+      </a:accent4>
+      <a:accent5>
+        <a:srgbClr val="4BACC6"/>
+      </a:accent5>
+      <a:accent6>
+        <a:srgbClr val="F79646"/>
+      </a:accent6>
+      <a:hlink>
+        <a:srgbClr val="0000FF"/>
+      </a:hlink>
+      <a:folHlink>
+        <a:srgbClr val="800080"/>
+      </a:folHlink>
+    </a:clrScheme>
+    <a:fontScheme name="Office">
+      <a:majorFont>
+        <a:latin typeface="Calibri"/>
+        <a:ea typeface=""/>
+        <a:cs typeface=""/>
+        <a:font script="Jpan" typeface="ＭＳ Ｐゴシック"/>
+        <a:font script="Hang" typeface="맑은 고딕"/>
+        <a:font script="Hans" typeface="宋体"/>
+        <a:font script="Hant" typeface="新細明體"/>
+        <a:font script="Arab" typeface="Times New Roman"/>
+        <a:font script="Hebr" typeface="Times New Roman"/>
+        <a:font script="Thai" typeface="Angsana New"/>
+        <a:font script="Ethi" typeface="Nyala"/>
+        <a:font script="Beng" typeface="Vrinda"/>
+        <a:font script="Gujr" typeface="Shruti"/>
+        <a:font script="Khmr" typeface="MoolBoran"/>
+        <a:font script="Knda" typeface="Tunga"/>
+        <a:font script="Guru" typeface="Raavi"/>
+        <a:font script="Cans" typeface="Euphemia"/>
+        <a:font script="Cher" typeface="Plantagenet Cherokee"/>
+        <a:font script="Yiii" typeface="Microsoft Yi Baiti"/>
+        <a:font script="Tibt" typeface="Microsoft Himalaya"/>
+        <a:font script="Thaa" typeface="MV Boli"/>
+        <a:font script="Deva" typeface="Mangal"/>
+        <a:font script="Telu" typeface="Gautami"/>
+        <a:font script="Taml" typeface="Latha"/>
+        <a:font script="Syrc" typeface="Estrangelo Edessa"/>
+        <a:font script="Orya" typeface="Kalinga"/>
+        <a:font script="Mlym" typeface="Kartika"/>
+        <a:font script="Laoo" typeface="DokChampa"/>
+        <a:font script="Sinh" typeface="Iskoola Pota"/>
+        <a:font script="Mong" typeface="Mongolian Baiti"/>
+        <a:font script="Viet" typeface="Times New Roman"/>
+        <a:font script="Uigh" typeface="Microsoft Uighur"/>
+        <a:font script="Geor" typeface="Sylfaen"/>
+      </a:majorFont>
+      <a:minorFont>
+        <a:latin typeface="Calibri"/>
+        <a:ea typeface=""/>
+        <a:cs typeface=""/>
+        <a:font script="Jpan" typeface="ＭＳ Ｐゴシック"/>
+        <a:font script="Hang" typeface="맑은 고딕"/>
+        <a:font script="Hans" typeface="宋体"/>
+        <a:font script="Hant" typeface="新細明體"/>
+        <a:font script="Arab" typeface="Arial"/>
+        <a:font script="Hebr" typeface="Arial"/>
+        <a:font script="Thai" typeface="Cordia New"/>
+        <a:font script="Ethi" typeface="Nyala"/>
+        <a:font script="Beng" typeface="Vrinda"/>
+        <a:font script="Gujr" typeface="Shruti"/>
+        <a:font script="Khmr" typeface="DaunPenh"/>
+        <a:font script="Knda" typeface="Tunga"/>
+        <a:font script="Guru" typeface="Raavi"/>
+        <a:font script="Cans" typeface="Euphemia"/>
+        <a:font script="Cher" typeface="Plantagenet Cherokee"/>
+        <a:font script="Yiii" typeface="Microsoft Yi Baiti"/>
+        <a:font script="Tibt" typeface="Microsoft Himalaya"/>
+        <a:font script="Thaa" typeface="MV Boli"/>
+        <a:font script="Deva" typeface="Mangal"/>
+        <a:font script="Telu" typeface="Gautami"/>
+        <a:font script="Taml" typeface="Latha"/>
+        <a:font script="Syrc" typeface="Estrangelo Edessa"/>
+        <a:font script="Orya" typeface="Kalinga"/>
+        <a:font script="Mlym" typeface="Kartika"/>
+        <a:font script="Laoo" typeface="DokChampa"/>
+        <a:font script="Sinh" typeface="Iskoola Pota"/>
+        <a:font script="Mong" typeface="Mongolian Baiti"/>
+        <a:font script="Viet" typeface="Arial"/>
+        <a:font script="Uigh" typeface="Microsoft Uighur"/>
+        <a:font script="Geor" typeface="Sylfaen"/>
+      </a:minorFont>
+    </a:fontScheme>
+    <a:fmtScheme name="Office">
+      <a:fillStyleLst>
+        <a:solidFill>
+          <a:schemeClr val="phClr"/>
+        </a:solidFill>
+        <a:gradFill rotWithShape="1">
+          <a:gsLst>
+            <a:gs pos="0">
+              <a:schemeClr val="phClr">
+                <a:tint val="50000"/>
+                <a:satMod val="300000"/>
+              </a:schemeClr>
+            </a:gs>
+            <a:gs pos="35000">
+              <a:schemeClr val="phClr">
+                <a:tint val="37000"/>
+                <a:satMod val="300000"/>
+              </a:schemeClr>
+            </a:gs>
+            <a:gs pos="100000">
+              <a:schemeClr val="phClr">
+                <a:tint val="15000"/>
+                <a:satMod val="350000"/>
+              </a:schemeClr>
+            </a:gs>
+          </a:gsLst>
+          <a:lin ang="16200000" scaled="1"/>
+        </a:gradFill>
+        <a:gradFill rotWithShape="1">
+          <a:gsLst>
+            <a:gs pos="0">
+              <a:schemeClr val="phClr">
+                <a:tint val="100000"/>
+                <a:shade val="100000"/>
+                <a:satMod val="130000"/>
+              </a:schemeClr>
+            </a:gs>
+            <a:gs pos="100000">
+              <a:schemeClr val="phClr">
+                <a:tint val="50000"/>
+                <a:shade val="100000"/>
+                <a:satMod val="350000"/>
+              </a:schemeClr>
+            </a:gs>
+          </a:gsLst>
+          <a:lin ang="16200000" scaled="0"/>
+        </a:gradFill>
+      </a:fillStyleLst>
+      <a:lnStyleLst>
+        <a:ln w="9525" cap="flat" cmpd="sng" algn="ctr">
+          <a:solidFill>
+            <a:schemeClr val="phClr">
+              <a:shade val="95000"/>
+              <a:satMod val="105000"/>
+            </a:schemeClr>
+          </a:solidFill>
+          <a:prstDash val="solid"/>
+        </a:ln>
+        <a:ln w="25400" cap="flat" cmpd="sng" algn="ctr">
+          <a:solidFill>
+            <a:schemeClr val="phClr"/>
+          </a:solidFill>
+          <a:prstDash val="solid"/>
+        </a:ln>
+        <a:ln w="38100" cap="flat" cmpd="sng" algn="ctr">
+          <a:solidFill>
+            <a:schemeClr val="phClr"/>
+          </a:solidFill>
+          <a:prstDash val="solid"/>
+        </a:ln>
+      </a:lnStyleLst>
+      <a:effectStyleLst>
+        <a:effectStyle>
+          <a:effectLst>
+            <a:outerShdw blurRad="40000" dist="20000" dir="5400000" rotWithShape="0">
+              <a:srgbClr val="000000">
+                <a:alpha val="38000"/>
+              </a:srgbClr>
+            </a:outerShdw>
+          </a:effectLst>
+        </a:effectStyle>
+        <a:effectStyle>
+          <a:effectLst>
+            <a:outerShdw blurRad="40000" dist="23000" dir="5400000" rotWithShape="0">
+              <a:srgbClr val="000000">
+                <a:alpha val="35000"/>
+              </a:srgbClr>
+            </a:outerShdw>
+          </a:effectLst>
+        </a:effectStyle>
+        <a:effectStyle>
+          <a:effectLst>
+            <a:outerShdw blurRad="40000" dist="23000" dir="5400000" rotWithShape="0">
+              <a:srgbClr val="000000">
+                <a:alpha val="35000"/>
+              </a:srgbClr>
+            </a:outerShdw>
+          </a:effectLst>
+          <a:scene3d>
+            <a:camera prst="orthographicFront">
+              <a:rot lat="0" lon="0" rev="0"/>
+            </a:camera>
+            <a:lightRig rig="threePt" dir="t">
+              <a:rot lat="0" lon="0" rev="1200000"/>
+            </a:lightRig>
+          </a:scene3d>
+          <a:sp3d>
+            <a:bevelT w="63500" h="25400"/>
+          </a:sp3d>
+        </a:effectStyle>
+      </a:effectStyleLst>
+      <a:bgFillStyleLst>
+        <a:solidFill>
+          <a:schemeClr val="phClr"/>
+        </a:solidFill>
+        <a:gradFill rotWithShape="1">
+          <a:gsLst>
+            <a:gs pos="0">
+              <a:schemeClr val="phClr">
+                <a:tint val="40000"/>
+                <a:satMod val="350000"/>
+              </a:schemeClr>
+            </a:gs>
+            <a:gs pos="40000">
+              <a:schemeClr val="phClr">
+                <a:tint val="45000"/>
+                <a:shade val="99000"/>
+                <a:satMod val="350000"/>
+              </a:schemeClr>
+            </a:gs>
+            <a:gs pos="100000">
+              <a:schemeClr val="phClr">
+                <a:shade val="20000"/>
+                <a:satMod val="255000"/>
+              </a:schemeClr>
+            </a:gs>
+          </a:gsLst>
+          <a:path path="circle">
+            <a:fillToRect l="50000" t="-80000" r="50000" b="180000"/>
+          </a:path>
+        </a:gradFill>
+        <a:gradFill rotWithShape="1">
+          <a:gsLst>
+            <a:gs pos="0">
+              <a:schemeClr val="phClr">
+                <a:tint val="80000"/>
+                <a:satMod val="300000"/>
+              </a:schemeClr>
+            </a:gs>
+            <a:gs pos="100000">
+              <a:schemeClr val="phClr">
+                <a:shade val="30000"/>
+                <a:satMod val="200000"/>
+              </a:schemeClr>
+            </a:gs>
+          </a:gsLst>
+          <a:path path="circle">
+            <a:fillToRect l="50000" t="50000" r="50000" b="50000"/>
+          </a:path>
+        </a:gradFill>
+      </a:bgFillStyleLst>
+    </a:fmtScheme>
+  </a:themeElements>
+  <a:objectDefaults>
+    <a:spDef>
+      <a:spPr/>
+      <a:bodyPr/>
+      <a:lstStyle/>
+      <a:style>
+        <a:lnRef idx="1">
+          <a:schemeClr val="accent1"/>
+        </a:lnRef>
+        <a:fillRef idx="3">
+          <a:schemeClr val="accent1"/>
+        </a:fillRef>
+        <a:effectRef idx="2">
+          <a:schemeClr val="accent1"/>
+        </a:effectRef>
+        <a:fontRef idx="minor">
+          <a:schemeClr val="lt1"/>
+        </a:fontRef>
+      </a:style>
+    </a:spDef>
+    <a:lnDef>
+      <a:spPr/>
+      <a:bodyPr/>
+      <a:lstStyle/>
+      <a:style>
+        <a:lnRef idx="2">
+          <a:schemeClr val="accent1"/>
+        </a:lnRef>
+        <a:fillRef idx="0">
+          <a:schemeClr val="accent1"/>
+        </a:fillRef>
+        <a:effectRef idx="1">
+          <a:schemeClr val="accent1"/>
+        </a:effectRef>
+        <a:fontRef idx="minor">
+          <a:schemeClr val="tx1"/>
+        </a:fontRef>
+      </a:style>
+    </a:lnDef>
+  </a:objectDefaults>
+  <a:extraClrSchemeLst/>
+</a:theme>
 </file>
--- a/cafe/docs/Spring_Integration.pptx
+++ b/cafe/docs/Spring_Integration.pptx
@@ -529,7 +529,7 @@
             </a:pPr>
             <a:r>
               <a:rPr lang="en-US" dirty="0" smtClean="0"/>
-              <a:t>I. Channels</a:t>
+              <a:t>I. Messages</a:t>
             </a:r>
           </a:p>
           <a:p>
@@ -552,7 +552,7 @@
             </a:pPr>
             <a:r>
               <a:rPr lang="en-US" dirty="0" smtClean="0"/>
-              <a:t>1. </a:t>
+              <a:t>1. Header (</a:t>
             </a:r>
             <a:r>
               <a:rPr lang="en-US" sz="1200" kern="1200" dirty="0" smtClean="0">
@@ -564,21 +564,12 @@
                 <a:ea typeface="+mn-ea"/>
                 <a:cs typeface="+mn-cs"/>
               </a:rPr>
-              <a:t>The decoupling of the sender and receiver components is primarily achieved by using </a:t>
-            </a:r>
-            <a:r>
-              <a:rPr lang="en-US" sz="1200" b="1" kern="1200" dirty="0" smtClean="0">
-                <a:solidFill>
-                  <a:schemeClr val="tx1"/>
-                </a:solidFill>
-                <a:effectLst/>
-                <a:latin typeface="+mn-lt"/>
-                <a:ea typeface="+mn-ea"/>
-                <a:cs typeface="+mn-cs"/>
-              </a:rPr>
-              <a:t>channels </a:t>
-            </a:r>
-            <a:endParaRPr lang="en-US" b="1" dirty="0" smtClean="0"/>
+              <a:t>Map&lt;String, Object&gt;)</a:t>
+            </a:r>
+            <a:r>
+              <a:rPr lang="en-US" dirty="0" smtClean="0"/>
+              <a:t> &amp; Payload</a:t>
+            </a:r>
           </a:p>
           <a:p>
             <a:pPr marL="0" marR="0" indent="0" algn="l" defTabSz="457200" rtl="0" eaLnBrk="1" fontAlgn="auto" latinLnBrk="0" hangingPunct="1">
@@ -599,10 +590,6 @@
               <a:defRPr/>
             </a:pPr>
             <a:r>
-              <a:rPr lang="en-US" dirty="0" smtClean="0"/>
-              <a:t>2. 2 Modes: </a:t>
-            </a:r>
-            <a:r>
               <a:rPr lang="en-US" sz="1200" kern="1200" dirty="0" smtClean="0">
                 <a:solidFill>
                   <a:schemeClr val="tx1"/>
@@ -612,7 +599,7 @@
                 <a:ea typeface="+mn-ea"/>
                 <a:cs typeface="+mn-cs"/>
               </a:rPr>
-              <a:t>Point-to-Point (P2P) </a:t>
+              <a:t>2. Some </a:t>
             </a:r>
             <a:r>
               <a:rPr lang="en-US" sz="1200" kern="1200" dirty="0" smtClean="0">
@@ -624,7 +611,7 @@
                 <a:ea typeface="+mn-ea"/>
                 <a:cs typeface="+mn-cs"/>
               </a:rPr>
-              <a:t>and</a:t>
+              <a:t>predefined properties </a:t>
             </a:r>
             <a:r>
               <a:rPr lang="en-US" sz="1200" kern="1200" dirty="0" smtClean="0">
@@ -636,7 +623,19 @@
                 <a:ea typeface="+mn-ea"/>
                 <a:cs typeface="+mn-cs"/>
               </a:rPr>
-              <a:t> Publish/Subscribe (Pub/Sub)</a:t>
+              <a:t>of header </a:t>
+            </a:r>
+            <a:r>
+              <a:rPr lang="en-US" sz="1200" kern="1200" dirty="0" smtClean="0">
+                <a:solidFill>
+                  <a:schemeClr val="tx1"/>
+                </a:solidFill>
+                <a:effectLst/>
+                <a:latin typeface="+mn-lt"/>
+                <a:ea typeface="+mn-ea"/>
+                <a:cs typeface="+mn-cs"/>
+              </a:rPr>
+              <a:t>such as priority, reply-channel, error- channel, etc. </a:t>
             </a:r>
           </a:p>
           <a:p>
@@ -667,7 +666,7 @@
                 <a:ea typeface="+mn-ea"/>
                 <a:cs typeface="+mn-cs"/>
               </a:rPr>
-              <a:t>3. M</a:t>
+              <a:t>3. Payload – </a:t>
             </a:r>
             <a:r>
               <a:rPr lang="en-US" sz="1200" kern="1200" dirty="0" smtClean="0">
@@ -679,7 +678,19 @@
                 <a:ea typeface="+mn-ea"/>
                 <a:cs typeface="+mn-cs"/>
               </a:rPr>
-              <a:t>essage buffering - </a:t>
+              <a:t>POJO (</a:t>
+            </a:r>
+            <a:r>
+              <a:rPr lang="en-US" sz="1200" kern="1200" dirty="0" err="1" smtClean="0">
+                <a:solidFill>
+                  <a:schemeClr val="tx1"/>
+                </a:solidFill>
+                <a:effectLst/>
+                <a:latin typeface="+mn-lt"/>
+                <a:ea typeface="+mn-ea"/>
+                <a:cs typeface="+mn-cs"/>
+              </a:rPr>
+              <a:t>serializable</a:t>
             </a:r>
             <a:r>
               <a:rPr lang="en-US" sz="1200" kern="1200" dirty="0" smtClean="0">
@@ -691,20 +702,9 @@
                 <a:ea typeface="+mn-ea"/>
                 <a:cs typeface="+mn-cs"/>
               </a:rPr>
-              <a:t>t</a:t>
-            </a:r>
-            <a:r>
-              <a:rPr lang="en-US" sz="1200" kern="1200" dirty="0" smtClean="0">
-                <a:solidFill>
-                  <a:schemeClr val="tx1"/>
-                </a:solidFill>
-                <a:effectLst/>
-                <a:latin typeface="+mn-lt"/>
-                <a:ea typeface="+mn-ea"/>
-                <a:cs typeface="+mn-cs"/>
-              </a:rPr>
-              <a:t>he incoming messages are buffered in order to stop flooding the consumers </a:t>
-            </a:r>
+              <a:t>)</a:t>
+            </a:r>
+            <a:endParaRPr lang="en-US" dirty="0" smtClean="0"/>
           </a:p>
           <a:p>
             <a:pPr marL="0" marR="0" indent="0" algn="l" defTabSz="457200" rtl="0" eaLnBrk="1" fontAlgn="auto" latinLnBrk="0" hangingPunct="1">
@@ -724,30 +724,7 @@
               <a:tabLst/>
               <a:defRPr/>
             </a:pPr>
-            <a:r>
-              <a:rPr lang="en-US" sz="1200" kern="1200" dirty="0" smtClean="0">
-                <a:solidFill>
-                  <a:schemeClr val="tx1"/>
-                </a:solidFill>
-                <a:effectLst/>
-                <a:latin typeface="+mn-lt"/>
-                <a:ea typeface="+mn-ea"/>
-                <a:cs typeface="+mn-cs"/>
-              </a:rPr>
-              <a:t>4. C</a:t>
-            </a:r>
-            <a:r>
-              <a:rPr lang="en-US" sz="1200" kern="1200" dirty="0" smtClean="0">
-                <a:solidFill>
-                  <a:schemeClr val="tx1"/>
-                </a:solidFill>
-                <a:effectLst/>
-                <a:latin typeface="+mn-lt"/>
-                <a:ea typeface="+mn-ea"/>
-                <a:cs typeface="+mn-cs"/>
-              </a:rPr>
-              <a:t>lients choose the channels depending on delivery mode (P2P or Pub/Sub) and buffering or non-buffering semantics </a:t>
-            </a:r>
+            <a:endParaRPr lang="en-US" dirty="0" smtClean="0"/>
           </a:p>
           <a:p>
             <a:pPr marL="0" marR="0" indent="0" algn="l" defTabSz="457200" rtl="0" eaLnBrk="1" fontAlgn="auto" latinLnBrk="0" hangingPunct="1">
@@ -768,16 +745,20 @@
               <a:defRPr/>
             </a:pPr>
             <a:r>
-              <a:rPr lang="en-US" sz="1200" kern="1200" dirty="0" smtClean="0">
-                <a:solidFill>
-                  <a:schemeClr val="tx1"/>
-                </a:solidFill>
-                <a:effectLst/>
-                <a:latin typeface="+mn-lt"/>
-                <a:ea typeface="+mn-ea"/>
-                <a:cs typeface="+mn-cs"/>
-              </a:rPr>
-              <a:t>II. Endpoints</a:t>
+              <a:rPr lang="en-US" dirty="0" smtClean="0"/>
+              <a:t>I</a:t>
+            </a:r>
+            <a:r>
+              <a:rPr lang="en-US" dirty="0" smtClean="0"/>
+              <a:t>I</a:t>
+            </a:r>
+            <a:r>
+              <a:rPr lang="en-US" dirty="0" smtClean="0"/>
+              <a:t>. </a:t>
+            </a:r>
+            <a:r>
+              <a:rPr lang="en-US" dirty="0" smtClean="0"/>
+              <a:t>Channels</a:t>
             </a:r>
           </a:p>
           <a:p>
@@ -799,6 +780,339 @@
               <a:defRPr/>
             </a:pPr>
             <a:r>
+              <a:rPr lang="en-US" dirty="0" smtClean="0"/>
+              <a:t>1. </a:t>
+            </a:r>
+            <a:r>
+              <a:rPr lang="en-US" sz="1200" kern="1200" dirty="0" smtClean="0">
+                <a:solidFill>
+                  <a:schemeClr val="tx1"/>
+                </a:solidFill>
+                <a:effectLst/>
+                <a:latin typeface="+mn-lt"/>
+                <a:ea typeface="+mn-ea"/>
+                <a:cs typeface="+mn-cs"/>
+              </a:rPr>
+              <a:t>The decoupling of the sender and receiver components is primarily achieved by using </a:t>
+            </a:r>
+            <a:r>
+              <a:rPr lang="en-US" sz="1200" b="1" kern="1200" dirty="0" smtClean="0">
+                <a:solidFill>
+                  <a:schemeClr val="tx1"/>
+                </a:solidFill>
+                <a:effectLst/>
+                <a:latin typeface="+mn-lt"/>
+                <a:ea typeface="+mn-ea"/>
+                <a:cs typeface="+mn-cs"/>
+              </a:rPr>
+              <a:t>channels </a:t>
+            </a:r>
+            <a:endParaRPr lang="en-US" b="1" dirty="0" smtClean="0"/>
+          </a:p>
+          <a:p>
+            <a:pPr marL="0" marR="0" indent="0" algn="l" defTabSz="457200" rtl="0" eaLnBrk="1" fontAlgn="auto" latinLnBrk="0" hangingPunct="1">
+              <a:lnSpc>
+                <a:spcPct val="100000"/>
+              </a:lnSpc>
+              <a:spcBef>
+                <a:spcPts val="0"/>
+              </a:spcBef>
+              <a:spcAft>
+                <a:spcPts val="0"/>
+              </a:spcAft>
+              <a:buClrTx/>
+              <a:buSzTx/>
+              <a:buFontTx/>
+              <a:buNone/>
+              <a:tabLst/>
+              <a:defRPr/>
+            </a:pPr>
+            <a:r>
+              <a:rPr lang="en-US" dirty="0" smtClean="0"/>
+              <a:t>2. 2 Modes: </a:t>
+            </a:r>
+            <a:r>
+              <a:rPr lang="en-US" sz="1200" kern="1200" dirty="0" smtClean="0">
+                <a:solidFill>
+                  <a:schemeClr val="tx1"/>
+                </a:solidFill>
+                <a:effectLst/>
+                <a:latin typeface="+mn-lt"/>
+                <a:ea typeface="+mn-ea"/>
+                <a:cs typeface="+mn-cs"/>
+              </a:rPr>
+              <a:t>Point-to-Point (P2P</a:t>
+            </a:r>
+            <a:r>
+              <a:rPr lang="en-US" sz="1200" kern="1200" dirty="0" smtClean="0">
+                <a:solidFill>
+                  <a:schemeClr val="tx1"/>
+                </a:solidFill>
+                <a:effectLst/>
+                <a:latin typeface="+mn-lt"/>
+                <a:ea typeface="+mn-ea"/>
+                <a:cs typeface="+mn-cs"/>
+              </a:rPr>
+              <a:t>) – </a:t>
+            </a:r>
+            <a:r>
+              <a:rPr lang="en-US" sz="1200" b="1" kern="1200" dirty="0" err="1" smtClean="0">
+                <a:solidFill>
+                  <a:schemeClr val="tx1"/>
+                </a:solidFill>
+                <a:effectLst/>
+                <a:latin typeface="+mn-lt"/>
+                <a:ea typeface="+mn-ea"/>
+                <a:cs typeface="+mn-cs"/>
+              </a:rPr>
+              <a:t>pollable</a:t>
+            </a:r>
+            <a:r>
+              <a:rPr lang="en-US" sz="1200" kern="1200" dirty="0" smtClean="0">
+                <a:solidFill>
+                  <a:schemeClr val="tx1"/>
+                </a:solidFill>
+                <a:effectLst/>
+                <a:latin typeface="+mn-lt"/>
+                <a:ea typeface="+mn-ea"/>
+                <a:cs typeface="+mn-cs"/>
+              </a:rPr>
+              <a:t>  </a:t>
+            </a:r>
+            <a:r>
+              <a:rPr lang="en-US" sz="1200" kern="1200" dirty="0" smtClean="0">
+                <a:solidFill>
+                  <a:schemeClr val="tx1"/>
+                </a:solidFill>
+                <a:effectLst/>
+                <a:latin typeface="+mn-lt"/>
+                <a:ea typeface="+mn-ea"/>
+                <a:cs typeface="+mn-cs"/>
+              </a:rPr>
+              <a:t>and Publish/Subscribe (Pub/Sub</a:t>
+            </a:r>
+            <a:r>
+              <a:rPr lang="en-US" sz="1200" kern="1200" dirty="0" smtClean="0">
+                <a:solidFill>
+                  <a:schemeClr val="tx1"/>
+                </a:solidFill>
+                <a:effectLst/>
+                <a:latin typeface="+mn-lt"/>
+                <a:ea typeface="+mn-ea"/>
+                <a:cs typeface="+mn-cs"/>
+              </a:rPr>
+              <a:t>) – </a:t>
+            </a:r>
+            <a:r>
+              <a:rPr lang="en-US" sz="1200" b="1" kern="1200" dirty="0" err="1" smtClean="0">
+                <a:solidFill>
+                  <a:schemeClr val="tx1"/>
+                </a:solidFill>
+                <a:effectLst/>
+                <a:latin typeface="+mn-lt"/>
+                <a:ea typeface="+mn-ea"/>
+                <a:cs typeface="+mn-cs"/>
+              </a:rPr>
+              <a:t>subscribable</a:t>
+            </a:r>
+            <a:r>
+              <a:rPr lang="en-US" sz="1200" b="1" kern="1200" dirty="0" smtClean="0">
+                <a:solidFill>
+                  <a:schemeClr val="tx1"/>
+                </a:solidFill>
+                <a:effectLst/>
+                <a:latin typeface="+mn-lt"/>
+                <a:ea typeface="+mn-ea"/>
+                <a:cs typeface="+mn-cs"/>
+              </a:rPr>
+              <a:t> </a:t>
+            </a:r>
+            <a:endParaRPr lang="en-US" sz="1200" b="1" kern="1200" dirty="0" smtClean="0">
+              <a:solidFill>
+                <a:schemeClr val="tx1"/>
+              </a:solidFill>
+              <a:effectLst/>
+              <a:latin typeface="+mn-lt"/>
+              <a:ea typeface="+mn-ea"/>
+              <a:cs typeface="+mn-cs"/>
+            </a:endParaRPr>
+          </a:p>
+          <a:p>
+            <a:pPr marL="0" marR="0" indent="0" algn="l" defTabSz="457200" rtl="0" eaLnBrk="1" fontAlgn="auto" latinLnBrk="0" hangingPunct="1">
+              <a:lnSpc>
+                <a:spcPct val="100000"/>
+              </a:lnSpc>
+              <a:spcBef>
+                <a:spcPts val="0"/>
+              </a:spcBef>
+              <a:spcAft>
+                <a:spcPts val="0"/>
+              </a:spcAft>
+              <a:buClrTx/>
+              <a:buSzTx/>
+              <a:buFontTx/>
+              <a:buNone/>
+              <a:tabLst/>
+              <a:defRPr/>
+            </a:pPr>
+            <a:r>
+              <a:rPr lang="en-US" sz="1200" kern="1200" dirty="0" smtClean="0">
+                <a:solidFill>
+                  <a:schemeClr val="tx1"/>
+                </a:solidFill>
+                <a:effectLst/>
+                <a:latin typeface="+mn-lt"/>
+                <a:ea typeface="+mn-ea"/>
+                <a:cs typeface="+mn-cs"/>
+              </a:rPr>
+              <a:t>3. Message buffering - the incoming messages are buffered in order to stop flooding the consumers </a:t>
+            </a:r>
+          </a:p>
+          <a:p>
+            <a:pPr marL="0" marR="0" indent="0" algn="l" defTabSz="457200" rtl="0" eaLnBrk="1" fontAlgn="auto" latinLnBrk="0" hangingPunct="1">
+              <a:lnSpc>
+                <a:spcPct val="100000"/>
+              </a:lnSpc>
+              <a:spcBef>
+                <a:spcPts val="0"/>
+              </a:spcBef>
+              <a:spcAft>
+                <a:spcPts val="0"/>
+              </a:spcAft>
+              <a:buClrTx/>
+              <a:buSzTx/>
+              <a:buFontTx/>
+              <a:buNone/>
+              <a:tabLst/>
+              <a:defRPr/>
+            </a:pPr>
+            <a:r>
+              <a:rPr lang="en-US" sz="1200" kern="1200" dirty="0" smtClean="0">
+                <a:solidFill>
+                  <a:schemeClr val="tx1"/>
+                </a:solidFill>
+                <a:effectLst/>
+                <a:latin typeface="+mn-lt"/>
+                <a:ea typeface="+mn-ea"/>
+                <a:cs typeface="+mn-cs"/>
+              </a:rPr>
+              <a:t>4. Clients choose the channels depending on delivery mode (P2P or Pub/Sub) and buffering or non-buffering semantics </a:t>
+            </a:r>
+          </a:p>
+          <a:p>
+            <a:pPr marL="0" marR="0" indent="0" algn="l" defTabSz="457200" rtl="0" eaLnBrk="1" fontAlgn="auto" latinLnBrk="0" hangingPunct="1">
+              <a:lnSpc>
+                <a:spcPct val="100000"/>
+              </a:lnSpc>
+              <a:spcBef>
+                <a:spcPts val="0"/>
+              </a:spcBef>
+              <a:spcAft>
+                <a:spcPts val="0"/>
+              </a:spcAft>
+              <a:buClrTx/>
+              <a:buSzTx/>
+              <a:buFontTx/>
+              <a:buNone/>
+              <a:tabLst/>
+              <a:defRPr/>
+            </a:pPr>
+            <a:endParaRPr lang="en-US" sz="1200" kern="1200" dirty="0" smtClean="0">
+              <a:solidFill>
+                <a:schemeClr val="tx1"/>
+              </a:solidFill>
+              <a:effectLst/>
+              <a:latin typeface="+mn-lt"/>
+              <a:ea typeface="+mn-ea"/>
+              <a:cs typeface="+mn-cs"/>
+            </a:endParaRPr>
+          </a:p>
+          <a:p>
+            <a:pPr marL="0" marR="0" indent="0" algn="l" defTabSz="457200" rtl="0" eaLnBrk="1" fontAlgn="auto" latinLnBrk="0" hangingPunct="1">
+              <a:lnSpc>
+                <a:spcPct val="100000"/>
+              </a:lnSpc>
+              <a:spcBef>
+                <a:spcPts val="0"/>
+              </a:spcBef>
+              <a:spcAft>
+                <a:spcPts val="0"/>
+              </a:spcAft>
+              <a:buClrTx/>
+              <a:buSzTx/>
+              <a:buFontTx/>
+              <a:buNone/>
+              <a:tabLst/>
+              <a:defRPr/>
+            </a:pPr>
+            <a:r>
+              <a:rPr lang="en-US" sz="1200" kern="1200" dirty="0" smtClean="0">
+                <a:solidFill>
+                  <a:schemeClr val="tx1"/>
+                </a:solidFill>
+                <a:effectLst/>
+                <a:latin typeface="+mn-lt"/>
+                <a:ea typeface="+mn-ea"/>
+                <a:cs typeface="+mn-cs"/>
+              </a:rPr>
+              <a:t>II</a:t>
+            </a:r>
+            <a:r>
+              <a:rPr lang="en-US" sz="1200" kern="1200" dirty="0" smtClean="0">
+                <a:solidFill>
+                  <a:schemeClr val="tx1"/>
+                </a:solidFill>
+                <a:effectLst/>
+                <a:latin typeface="+mn-lt"/>
+                <a:ea typeface="+mn-ea"/>
+                <a:cs typeface="+mn-cs"/>
+              </a:rPr>
+              <a:t>I</a:t>
+            </a:r>
+            <a:r>
+              <a:rPr lang="en-US" sz="1200" kern="1200" dirty="0" smtClean="0">
+                <a:solidFill>
+                  <a:schemeClr val="tx1"/>
+                </a:solidFill>
+                <a:effectLst/>
+                <a:latin typeface="+mn-lt"/>
+                <a:ea typeface="+mn-ea"/>
+                <a:cs typeface="+mn-cs"/>
+              </a:rPr>
+              <a:t>. </a:t>
+            </a:r>
+            <a:r>
+              <a:rPr lang="en-US" sz="1200" kern="1200" dirty="0" smtClean="0">
+                <a:solidFill>
+                  <a:schemeClr val="tx1"/>
+                </a:solidFill>
+                <a:effectLst/>
+                <a:latin typeface="+mn-lt"/>
+                <a:ea typeface="+mn-ea"/>
+                <a:cs typeface="+mn-cs"/>
+              </a:rPr>
+              <a:t>Endpoints</a:t>
+            </a:r>
+          </a:p>
+          <a:p>
+            <a:pPr marL="0" marR="0" indent="0" algn="l" defTabSz="457200" rtl="0" eaLnBrk="1" fontAlgn="auto" latinLnBrk="0" hangingPunct="1">
+              <a:lnSpc>
+                <a:spcPct val="100000"/>
+              </a:lnSpc>
+              <a:spcBef>
+                <a:spcPts val="0"/>
+              </a:spcBef>
+              <a:spcAft>
+                <a:spcPts val="0"/>
+              </a:spcAft>
+              <a:buClrTx/>
+              <a:buSzTx/>
+              <a:buFontTx/>
+              <a:buNone/>
+              <a:tabLst/>
+              <a:defRPr/>
+            </a:pPr>
+            <a:r>
               <a:rPr lang="en-US" sz="1200" kern="1200" dirty="0" smtClean="0">
                 <a:solidFill>
                   <a:schemeClr val="tx1"/>
@@ -820,8 +1134,164 @@
                 <a:ea typeface="+mn-ea"/>
                 <a:cs typeface="+mn-cs"/>
               </a:rPr>
-              <a:t>The application code concentrates on implementing the business logic. The connection mechanism, the message sending and receiving and other aspects of messaging are hidden from the application -&gt; Message Endpoints are components that separate business logic from the messaging framework </a:t>
-            </a:r>
+              <a:t>The </a:t>
+            </a:r>
+            <a:r>
+              <a:rPr lang="en-US" sz="1200" kern="1200" dirty="0" smtClean="0">
+                <a:solidFill>
+                  <a:schemeClr val="tx1"/>
+                </a:solidFill>
+                <a:effectLst/>
+                <a:latin typeface="+mn-lt"/>
+                <a:ea typeface="+mn-ea"/>
+                <a:cs typeface="+mn-cs"/>
+              </a:rPr>
+              <a:t>application code concentrates on implementing the business logic. The connection mechanism, the message sending and receiving and other aspects of messaging are hidden from the application -&gt; Message Endpoints are components that separate business logic from the messaging framework </a:t>
+            </a:r>
+            <a:endParaRPr lang="en-US" sz="1200" kern="1200" dirty="0" smtClean="0">
+              <a:solidFill>
+                <a:schemeClr val="tx1"/>
+              </a:solidFill>
+              <a:effectLst/>
+              <a:latin typeface="+mn-lt"/>
+              <a:ea typeface="+mn-ea"/>
+              <a:cs typeface="+mn-cs"/>
+            </a:endParaRPr>
+          </a:p>
+          <a:p>
+            <a:pPr marL="0" marR="0" indent="0" algn="l" defTabSz="457200" rtl="0" eaLnBrk="1" fontAlgn="auto" latinLnBrk="0" hangingPunct="1">
+              <a:lnSpc>
+                <a:spcPct val="100000"/>
+              </a:lnSpc>
+              <a:spcBef>
+                <a:spcPts val="0"/>
+              </a:spcBef>
+              <a:spcAft>
+                <a:spcPts val="0"/>
+              </a:spcAft>
+              <a:buClrTx/>
+              <a:buSzTx/>
+              <a:buFontTx/>
+              <a:buNone/>
+              <a:tabLst/>
+              <a:defRPr/>
+            </a:pPr>
+            <a:r>
+              <a:rPr lang="en-US" sz="1200" kern="1200" dirty="0" smtClean="0">
+                <a:solidFill>
+                  <a:schemeClr val="tx1"/>
+                </a:solidFill>
+                <a:effectLst/>
+                <a:latin typeface="+mn-lt"/>
+                <a:ea typeface="+mn-ea"/>
+                <a:cs typeface="+mn-cs"/>
+              </a:rPr>
+              <a:t>2. 2 </a:t>
+            </a:r>
+            <a:r>
+              <a:rPr lang="en-US" sz="1200" kern="1200" dirty="0" smtClean="0">
+                <a:solidFill>
+                  <a:schemeClr val="tx1"/>
+                </a:solidFill>
+                <a:effectLst/>
+                <a:latin typeface="+mn-lt"/>
+                <a:ea typeface="+mn-ea"/>
+                <a:cs typeface="+mn-cs"/>
+              </a:rPr>
+              <a:t>types of endpoint consumers: Polling Consumer  (to poll for messages in a timely fash</a:t>
+            </a:r>
+            <a:r>
+              <a:rPr lang="en-US" sz="1200" kern="1200" dirty="0" smtClean="0">
+                <a:solidFill>
+                  <a:schemeClr val="tx1"/>
+                </a:solidFill>
+                <a:effectLst/>
+                <a:latin typeface="+mn-lt"/>
+                <a:ea typeface="+mn-ea"/>
+                <a:cs typeface="+mn-cs"/>
+              </a:rPr>
+              <a:t>ion</a:t>
+            </a:r>
+            <a:r>
+              <a:rPr lang="en-US" sz="1200" kern="1200" dirty="0" smtClean="0">
+                <a:solidFill>
+                  <a:schemeClr val="tx1"/>
+                </a:solidFill>
+                <a:effectLst/>
+                <a:latin typeface="+mn-lt"/>
+                <a:ea typeface="+mn-ea"/>
+                <a:cs typeface="+mn-cs"/>
+              </a:rPr>
+              <a:t>) and an Event-Driven Consumer (</a:t>
+            </a:r>
+            <a:r>
+              <a:rPr lang="en-US" sz="1200" kern="1200" dirty="0" smtClean="0">
+                <a:solidFill>
+                  <a:schemeClr val="tx1"/>
+                </a:solidFill>
+                <a:effectLst/>
+                <a:latin typeface="+mn-lt"/>
+                <a:ea typeface="+mn-ea"/>
+                <a:cs typeface="+mn-cs"/>
+              </a:rPr>
+              <a:t>s</a:t>
+            </a:r>
+            <a:r>
+              <a:rPr lang="en-US" sz="1200" kern="1200" dirty="0" smtClean="0">
+                <a:solidFill>
+                  <a:schemeClr val="tx1"/>
+                </a:solidFill>
+                <a:effectLst/>
+                <a:latin typeface="+mn-lt"/>
+                <a:ea typeface="+mn-ea"/>
+                <a:cs typeface="+mn-cs"/>
+              </a:rPr>
+              <a:t>ubscribe to a </a:t>
+            </a:r>
+            <a:r>
+              <a:rPr lang="en-US" sz="1200" kern="1200" dirty="0" err="1" smtClean="0">
+                <a:solidFill>
+                  <a:schemeClr val="tx1"/>
+                </a:solidFill>
+                <a:effectLst/>
+                <a:latin typeface="+mn-lt"/>
+                <a:ea typeface="+mn-ea"/>
+                <a:cs typeface="+mn-cs"/>
+              </a:rPr>
+              <a:t>subscribable</a:t>
+            </a:r>
+            <a:r>
+              <a:rPr lang="en-US" sz="1200" kern="1200" dirty="0" smtClean="0">
+                <a:solidFill>
+                  <a:schemeClr val="tx1"/>
+                </a:solidFill>
+                <a:effectLst/>
+                <a:latin typeface="+mn-lt"/>
+                <a:ea typeface="+mn-ea"/>
+                <a:cs typeface="+mn-cs"/>
+              </a:rPr>
+              <a:t> channel so it will be notified asynchronously when a message arrives at the channel )</a:t>
+            </a:r>
+            <a:endParaRPr lang="en-US" dirty="0" smtClean="0"/>
+          </a:p>
+          <a:p>
+            <a:pPr marL="0" marR="0" indent="0" algn="l" defTabSz="457200" rtl="0" eaLnBrk="1" fontAlgn="auto" latinLnBrk="0" hangingPunct="1">
+              <a:lnSpc>
+                <a:spcPct val="100000"/>
+              </a:lnSpc>
+              <a:spcBef>
+                <a:spcPts val="0"/>
+              </a:spcBef>
+              <a:spcAft>
+                <a:spcPts val="0"/>
+              </a:spcAft>
+              <a:buClrTx/>
+              <a:buSzTx/>
+              <a:buFontTx/>
+              <a:buNone/>
+              <a:tabLst/>
+              <a:defRPr/>
+            </a:pPr>
             <a:endParaRPr lang="en-US" dirty="0" smtClean="0"/>
           </a:p>
           <a:p>
@@ -3995,15 +4465,7 @@
           <a:p>
             <a:r>
               <a:rPr lang="en-US" dirty="0" smtClean="0"/>
-              <a:t>An </a:t>
-            </a:r>
-            <a:r>
-              <a:rPr lang="en-US" dirty="0" smtClean="0"/>
-              <a:t>Introduction </a:t>
-            </a:r>
-            <a:r>
-              <a:rPr lang="en-US" dirty="0" smtClean="0"/>
-              <a:t>to </a:t>
+              <a:t>An Introduction to </a:t>
             </a:r>
             <a:br>
               <a:rPr lang="en-US" dirty="0" smtClean="0"/>
@@ -4519,11 +4981,7 @@
             </a:pPr>
             <a:r>
               <a:rPr lang="en-US" sz="2500" dirty="0" smtClean="0"/>
-              <a:t>. A </a:t>
-            </a:r>
-            <a:r>
-              <a:rPr lang="en-US" sz="2500" dirty="0" smtClean="0"/>
-              <a:t>common </a:t>
+              <a:t>. A common </a:t>
             </a:r>
             <a:r>
               <a:rPr lang="en-US" sz="2500" dirty="0"/>
@@ -4537,15 +4995,7 @@
             </a:pPr>
             <a:r>
               <a:rPr lang="en-US" sz="2500" dirty="0" smtClean="0"/>
-              <a:t>. </a:t>
-            </a:r>
-            <a:r>
-              <a:rPr lang="en-US" sz="2500" dirty="0" smtClean="0"/>
-              <a:t>M</a:t>
-            </a:r>
-            <a:r>
-              <a:rPr lang="en-US" sz="2500" dirty="0" smtClean="0"/>
-              <a:t>ainly </a:t>
+              <a:t>. Mainly </a:t>
             </a:r>
             <a:r>
               <a:rPr lang="en-US" sz="2500" dirty="0"/>
@@ -4575,11 +5025,7 @@
             </a:pPr>
             <a:r>
               <a:rPr lang="en-US" sz="2500" dirty="0" smtClean="0"/>
-              <a:t>S</a:t>
-            </a:r>
-            <a:r>
-              <a:rPr lang="en-US" sz="2500" dirty="0" smtClean="0"/>
-              <a:t>ome </a:t>
+              <a:t>Some </a:t>
             </a:r>
             <a:r>
               <a:rPr lang="en-US" sz="2500" dirty="0"/>
@@ -4752,17 +5198,7 @@
                   </a:schemeClr>
                 </a:solidFill>
               </a:rPr>
-              <a:t>I</a:t>
-            </a:r>
-            <a:r>
-              <a:rPr lang="en-US" sz="2500" dirty="0" smtClean="0">
-                <a:solidFill>
-                  <a:schemeClr val="bg1">
-                    <a:lumMod val="65000"/>
-                  </a:schemeClr>
-                </a:solidFill>
-              </a:rPr>
-              <a:t>mplement </a:t>
+              <a:t>Implement </a:t>
             </a:r>
             <a:r>
               <a:rPr lang="en-US" sz="2500" dirty="0">
@@ -4794,13 +5230,6 @@
               </a:rPr>
               <a:t>Integration (EAI) patterns. </a:t>
             </a:r>
-            <a:endParaRPr lang="en-US" sz="2500" dirty="0">
-              <a:solidFill>
-                <a:schemeClr val="bg1">
-                  <a:lumMod val="65000"/>
-                </a:schemeClr>
-              </a:solidFill>
-            </a:endParaRPr>
           </a:p>
           <a:p>
             <a:pPr marL="0" indent="0">

--- a/cafe/docs/Spring_Integration.pptx
+++ b/cafe/docs/Spring_Integration.pptx
@@ -198,7 +198,7 @@
           <a:p>
             <a:fld id="{69D23B5F-BA0D-4844-B689-54432848508B}" type="datetimeFigureOut">
               <a:rPr lang="en-US" smtClean="0"/>
-              <a:t>5/3/16</a:t>
+              <a:t>5/4/16</a:t>
             </a:fld>
             <a:endParaRPr lang="en-US"/>
           </a:p>
@@ -510,6 +510,106 @@
           <a:bodyPr/>
           <a:lstStyle/>
           <a:p>
+            <a:r>
+              <a:rPr lang="en-US" dirty="0" smtClean="0"/>
+              <a:t>http://</a:t>
+            </a:r>
+            <a:r>
+              <a:rPr lang="en-US" dirty="0" err="1" smtClean="0"/>
+              <a:t>www.enterpriseintegrationpatterns.com</a:t>
+            </a:r>
+            <a:r>
+              <a:rPr lang="en-US" dirty="0" smtClean="0"/>
+              <a:t>/patterns/messaging/</a:t>
+            </a:r>
+            <a:r>
+              <a:rPr lang="en-US" smtClean="0"/>
+              <a:t>index.html</a:t>
+            </a:r>
+            <a:endParaRPr lang="en-US"/>
+          </a:p>
+        </p:txBody>
+      </p:sp>
+      <p:sp>
+        <p:nvSpPr>
+          <p:cNvPr id="4" name="Slide Number Placeholder 3"/>
+          <p:cNvSpPr>
+            <a:spLocks noGrp="1"/>
+          </p:cNvSpPr>
+          <p:nvPr>
+            <p:ph type="sldNum" sz="quarter" idx="10"/>
+          </p:nvPr>
+        </p:nvSpPr>
+        <p:spPr/>
+        <p:txBody>
+          <a:bodyPr/>
+          <a:lstStyle/>
+          <a:p>
+            <a:fld id="{8996A29C-02DF-0C46-8028-4A08B5A94F12}" type="slidenum">
+              <a:rPr lang="en-US" smtClean="0"/>
+              <a:t>5</a:t>
+            </a:fld>
+            <a:endParaRPr lang="en-US"/>
+          </a:p>
+        </p:txBody>
+      </p:sp>
+    </p:spTree>
+    <p:extLst>
+      <p:ext uri="{BB962C8B-B14F-4D97-AF65-F5344CB8AC3E}">
+        <p14:creationId xmlns:p14="http://schemas.microsoft.com/office/powerpoint/2010/main" val="3694287126"/>
+      </p:ext>
+    </p:extLst>
+  </p:cSld>
+  <p:clrMapOvr>
+    <a:masterClrMapping/>
+  </p:clrMapOvr>
+</p:notes>
+</file>
+
+<file path=ppt/notesSlides/notesSlide2.xml><?xml version="1.0" encoding="utf-8"?>
+<p:notes xmlns:a="http://schemas.openxmlformats.org/drawingml/2006/main" xmlns:r="http://schemas.openxmlformats.org/officeDocument/2006/relationships" xmlns:p="http://schemas.openxmlformats.org/presentationml/2006/main">
+  <p:cSld>
+    <p:spTree>
+      <p:nvGrpSpPr>
+        <p:cNvPr id="1" name=""/>
+        <p:cNvGrpSpPr/>
+        <p:nvPr/>
+      </p:nvGrpSpPr>
+      <p:grpSpPr>
+        <a:xfrm>
+          <a:off x="0" y="0"/>
+          <a:ext cx="0" cy="0"/>
+          <a:chOff x="0" y="0"/>
+          <a:chExt cx="0" cy="0"/>
+        </a:xfrm>
+      </p:grpSpPr>
+      <p:sp>
+        <p:nvSpPr>
+          <p:cNvPr id="2" name="Slide Image Placeholder 1"/>
+          <p:cNvSpPr>
+            <a:spLocks noGrp="1" noRot="1" noChangeAspect="1"/>
+          </p:cNvSpPr>
+          <p:nvPr>
+            <p:ph type="sldImg"/>
+          </p:nvPr>
+        </p:nvSpPr>
+        <p:spPr/>
+      </p:sp>
+      <p:sp>
+        <p:nvSpPr>
+          <p:cNvPr id="3" name="Notes Placeholder 2"/>
+          <p:cNvSpPr>
+            <a:spLocks noGrp="1"/>
+          </p:cNvSpPr>
+          <p:nvPr>
+            <p:ph type="body" idx="1"/>
+          </p:nvPr>
+        </p:nvSpPr>
+        <p:spPr/>
+        <p:txBody>
+          <a:bodyPr/>
+          <a:lstStyle/>
+          <a:p>
             <a:pPr marL="0" marR="0" indent="0" algn="l" defTabSz="457200" rtl="0" eaLnBrk="1" fontAlgn="auto" latinLnBrk="0" hangingPunct="1">
               <a:lnSpc>
                 <a:spcPct val="100000"/>
@@ -599,43 +699,7 @@
                 <a:ea typeface="+mn-ea"/>
                 <a:cs typeface="+mn-cs"/>
               </a:rPr>
-              <a:t>2. Some </a:t>
-            </a:r>
-            <a:r>
-              <a:rPr lang="en-US" sz="1200" kern="1200" dirty="0" smtClean="0">
-                <a:solidFill>
-                  <a:schemeClr val="tx1"/>
-                </a:solidFill>
-                <a:effectLst/>
-                <a:latin typeface="+mn-lt"/>
-                <a:ea typeface="+mn-ea"/>
-                <a:cs typeface="+mn-cs"/>
-              </a:rPr>
-              <a:t>predefined properties </a:t>
-            </a:r>
-            <a:r>
-              <a:rPr lang="en-US" sz="1200" kern="1200" dirty="0" smtClean="0">
-                <a:solidFill>
-                  <a:schemeClr val="tx1"/>
-                </a:solidFill>
-                <a:effectLst/>
-                <a:latin typeface="+mn-lt"/>
-                <a:ea typeface="+mn-ea"/>
-                <a:cs typeface="+mn-cs"/>
-              </a:rPr>
-              <a:t>of header </a:t>
-            </a:r>
-            <a:r>
-              <a:rPr lang="en-US" sz="1200" kern="1200" dirty="0" smtClean="0">
-                <a:solidFill>
-                  <a:schemeClr val="tx1"/>
-                </a:solidFill>
-                <a:effectLst/>
-                <a:latin typeface="+mn-lt"/>
-                <a:ea typeface="+mn-ea"/>
-                <a:cs typeface="+mn-cs"/>
-              </a:rPr>
-              <a:t>such as priority, reply-channel, error- channel, etc. </a:t>
+              <a:t>2. Some predefined properties of header such as priority, reply-channel, error- channel, etc. </a:t>
             </a:r>
           </a:p>
           <a:p>
@@ -666,19 +730,7 @@
                 <a:ea typeface="+mn-ea"/>
                 <a:cs typeface="+mn-cs"/>
               </a:rPr>
-              <a:t>3. Payload – </a:t>
-            </a:r>
-            <a:r>
-              <a:rPr lang="en-US" sz="1200" kern="1200" dirty="0" smtClean="0">
-                <a:solidFill>
-                  <a:schemeClr val="tx1"/>
-                </a:solidFill>
-                <a:effectLst/>
-                <a:latin typeface="+mn-lt"/>
-                <a:ea typeface="+mn-ea"/>
-                <a:cs typeface="+mn-cs"/>
-              </a:rPr>
-              <a:t>POJO (</a:t>
+              <a:t>3. Payload – POJO (</a:t>
             </a:r>
             <a:r>
               <a:rPr lang="en-US" sz="1200" kern="1200" dirty="0" err="1" smtClean="0">
@@ -746,19 +798,7 @@
             </a:pPr>
             <a:r>
               <a:rPr lang="en-US" dirty="0" smtClean="0"/>
-              <a:t>I</a:t>
-            </a:r>
-            <a:r>
-              <a:rPr lang="en-US" dirty="0" smtClean="0"/>
-              <a:t>I</a:t>
-            </a:r>
-            <a:r>
-              <a:rPr lang="en-US" dirty="0" smtClean="0"/>
-              <a:t>. </a:t>
-            </a:r>
-            <a:r>
-              <a:rPr lang="en-US" dirty="0" smtClean="0"/>
-              <a:t>Channels</a:t>
+              <a:t>II. Channels</a:t>
             </a:r>
           </a:p>
           <a:p>
@@ -841,19 +881,7 @@
                 <a:ea typeface="+mn-ea"/>
                 <a:cs typeface="+mn-cs"/>
               </a:rPr>
-              <a:t>Point-to-Point (P2P</a:t>
-            </a:r>
-            <a:r>
-              <a:rPr lang="en-US" sz="1200" kern="1200" dirty="0" smtClean="0">
-                <a:solidFill>
-                  <a:schemeClr val="tx1"/>
-                </a:solidFill>
-                <a:effectLst/>
-                <a:latin typeface="+mn-lt"/>
-                <a:ea typeface="+mn-ea"/>
-                <a:cs typeface="+mn-cs"/>
-              </a:rPr>
-              <a:t>) – </a:t>
+              <a:t>Point-to-Point (P2P) – </a:t>
             </a:r>
             <a:r>
               <a:rPr lang="en-US" sz="1200" b="1" kern="1200" dirty="0" err="1" smtClean="0">
@@ -877,31 +905,7 @@
                 <a:ea typeface="+mn-ea"/>
                 <a:cs typeface="+mn-cs"/>
               </a:rPr>
-              <a:t>  </a:t>
-            </a:r>
-            <a:r>
-              <a:rPr lang="en-US" sz="1200" kern="1200" dirty="0" smtClean="0">
-                <a:solidFill>
-                  <a:schemeClr val="tx1"/>
-                </a:solidFill>
-                <a:effectLst/>
-                <a:latin typeface="+mn-lt"/>
-                <a:ea typeface="+mn-ea"/>
-                <a:cs typeface="+mn-cs"/>
-              </a:rPr>
-              <a:t>and Publish/Subscribe (Pub/Sub</a:t>
-            </a:r>
-            <a:r>
-              <a:rPr lang="en-US" sz="1200" kern="1200" dirty="0" smtClean="0">
-                <a:solidFill>
-                  <a:schemeClr val="tx1"/>
-                </a:solidFill>
-                <a:effectLst/>
-                <a:latin typeface="+mn-lt"/>
-                <a:ea typeface="+mn-ea"/>
-                <a:cs typeface="+mn-cs"/>
-              </a:rPr>
-              <a:t>) – </a:t>
+              <a:t>  and Publish/Subscribe (Pub/Sub) – </a:t>
             </a:r>
             <a:r>
               <a:rPr lang="en-US" sz="1200" b="1" kern="1200" dirty="0" err="1" smtClean="0">
@@ -927,15 +931,6 @@
               </a:rPr>
               <a:t> </a:t>
             </a:r>
-            <a:endParaRPr lang="en-US" sz="1200" b="1" kern="1200" dirty="0" smtClean="0">
-              <a:solidFill>
-                <a:schemeClr val="tx1"/>
-              </a:solidFill>
-              <a:effectLst/>
-              <a:latin typeface="+mn-lt"/>
-              <a:ea typeface="+mn-ea"/>
-              <a:cs typeface="+mn-cs"/>
-            </a:endParaRPr>
           </a:p>
           <a:p>
             <a:pPr marL="0" marR="0" indent="0" algn="l" defTabSz="457200" rtl="0" eaLnBrk="1" fontAlgn="auto" latinLnBrk="0" hangingPunct="1">
@@ -1055,43 +1050,7 @@
                 <a:ea typeface="+mn-ea"/>
                 <a:cs typeface="+mn-cs"/>
               </a:rPr>
-              <a:t>II</a:t>
-            </a:r>
-            <a:r>
-              <a:rPr lang="en-US" sz="1200" kern="1200" dirty="0" smtClean="0">
-                <a:solidFill>
-                  <a:schemeClr val="tx1"/>
-                </a:solidFill>
-                <a:effectLst/>
-                <a:latin typeface="+mn-lt"/>
-                <a:ea typeface="+mn-ea"/>
-                <a:cs typeface="+mn-cs"/>
-              </a:rPr>
-              <a:t>I</a:t>
-            </a:r>
-            <a:r>
-              <a:rPr lang="en-US" sz="1200" kern="1200" dirty="0" smtClean="0">
-                <a:solidFill>
-                  <a:schemeClr val="tx1"/>
-                </a:solidFill>
-                <a:effectLst/>
-                <a:latin typeface="+mn-lt"/>
-                <a:ea typeface="+mn-ea"/>
-                <a:cs typeface="+mn-cs"/>
-              </a:rPr>
-              <a:t>. </a:t>
-            </a:r>
-            <a:r>
-              <a:rPr lang="en-US" sz="1200" kern="1200" dirty="0" smtClean="0">
-                <a:solidFill>
-                  <a:schemeClr val="tx1"/>
-                </a:solidFill>
-                <a:effectLst/>
-                <a:latin typeface="+mn-lt"/>
-                <a:ea typeface="+mn-ea"/>
-                <a:cs typeface="+mn-cs"/>
-              </a:rPr>
-              <a:t>Endpoints</a:t>
+              <a:t>III. Endpoints</a:t>
             </a:r>
           </a:p>
           <a:p>
@@ -1122,41 +1081,8 @@
                 <a:ea typeface="+mn-ea"/>
                 <a:cs typeface="+mn-cs"/>
               </a:rPr>
-              <a:t>1. </a:t>
-            </a:r>
-            <a:r>
-              <a:rPr lang="en-US" sz="1200" kern="1200" dirty="0" smtClean="0">
-                <a:solidFill>
-                  <a:schemeClr val="tx1"/>
-                </a:solidFill>
-                <a:effectLst/>
-                <a:latin typeface="+mn-lt"/>
-                <a:ea typeface="+mn-ea"/>
-                <a:cs typeface="+mn-cs"/>
-              </a:rPr>
-              <a:t>The </a:t>
-            </a:r>
-            <a:r>
-              <a:rPr lang="en-US" sz="1200" kern="1200" dirty="0" smtClean="0">
-                <a:solidFill>
-                  <a:schemeClr val="tx1"/>
-                </a:solidFill>
-                <a:effectLst/>
-                <a:latin typeface="+mn-lt"/>
-                <a:ea typeface="+mn-ea"/>
-                <a:cs typeface="+mn-cs"/>
-              </a:rPr>
-              <a:t>application code concentrates on implementing the business logic. The connection mechanism, the message sending and receiving and other aspects of messaging are hidden from the application -&gt; Message Endpoints are components that separate business logic from the messaging framework </a:t>
-            </a:r>
-            <a:endParaRPr lang="en-US" sz="1200" kern="1200" dirty="0" smtClean="0">
-              <a:solidFill>
-                <a:schemeClr val="tx1"/>
-              </a:solidFill>
-              <a:effectLst/>
-              <a:latin typeface="+mn-lt"/>
-              <a:ea typeface="+mn-ea"/>
-              <a:cs typeface="+mn-cs"/>
-            </a:endParaRPr>
+              <a:t>1. The application code concentrates on implementing the business logic. The connection mechanism, the message sending and receiving and other aspects of messaging are hidden from the application -&gt; Message Endpoints are components that separate business logic from the messaging framework </a:t>
+            </a:r>
           </a:p>
           <a:p>
             <a:pPr marL="0" marR="0" indent="0" algn="l" defTabSz="457200" rtl="0" eaLnBrk="1" fontAlgn="auto" latinLnBrk="0" hangingPunct="1">
@@ -1186,67 +1112,7 @@
                 <a:ea typeface="+mn-ea"/>
                 <a:cs typeface="+mn-cs"/>
               </a:rPr>
-              <a:t>2. 2 </a:t>
-            </a:r>
-            <a:r>
-              <a:rPr lang="en-US" sz="1200" kern="1200" dirty="0" smtClean="0">
-                <a:solidFill>
-                  <a:schemeClr val="tx1"/>
-                </a:solidFill>
-                <a:effectLst/>
-                <a:latin typeface="+mn-lt"/>
-                <a:ea typeface="+mn-ea"/>
-                <a:cs typeface="+mn-cs"/>
-              </a:rPr>
-              <a:t>types of endpoint consumers: Polling Consumer  (to poll for messages in a timely fash</a:t>
-            </a:r>
-            <a:r>
-              <a:rPr lang="en-US" sz="1200" kern="1200" dirty="0" smtClean="0">
-                <a:solidFill>
-                  <a:schemeClr val="tx1"/>
-                </a:solidFill>
-                <a:effectLst/>
-                <a:latin typeface="+mn-lt"/>
-                <a:ea typeface="+mn-ea"/>
-                <a:cs typeface="+mn-cs"/>
-              </a:rPr>
-              <a:t>ion</a:t>
-            </a:r>
-            <a:r>
-              <a:rPr lang="en-US" sz="1200" kern="1200" dirty="0" smtClean="0">
-                <a:solidFill>
-                  <a:schemeClr val="tx1"/>
-                </a:solidFill>
-                <a:effectLst/>
-                <a:latin typeface="+mn-lt"/>
-                <a:ea typeface="+mn-ea"/>
-                <a:cs typeface="+mn-cs"/>
-              </a:rPr>
-              <a:t>) and an Event-Driven Consumer (</a:t>
-            </a:r>
-            <a:r>
-              <a:rPr lang="en-US" sz="1200" kern="1200" dirty="0" smtClean="0">
-                <a:solidFill>
-                  <a:schemeClr val="tx1"/>
-                </a:solidFill>
-                <a:effectLst/>
-                <a:latin typeface="+mn-lt"/>
-                <a:ea typeface="+mn-ea"/>
-                <a:cs typeface="+mn-cs"/>
-              </a:rPr>
-              <a:t>s</a:t>
-            </a:r>
-            <a:r>
-              <a:rPr lang="en-US" sz="1200" kern="1200" dirty="0" smtClean="0">
-                <a:solidFill>
-                  <a:schemeClr val="tx1"/>
-                </a:solidFill>
-                <a:effectLst/>
-                <a:latin typeface="+mn-lt"/>
-                <a:ea typeface="+mn-ea"/>
-                <a:cs typeface="+mn-cs"/>
-              </a:rPr>
-              <a:t>ubscribe to a </a:t>
+              <a:t>2. 2 types of endpoint consumers: Polling Consumer  (to poll for messages in a timely fashion) and an Event-Driven Consumer (subscribe to a </a:t>
             </a:r>
             <a:r>
               <a:rPr lang="en-US" sz="1200" kern="1200" dirty="0" err="1" smtClean="0">
@@ -1636,7 +1502,7 @@
           <a:p>
             <a:fld id="{10AF0931-0DFC-8145-B366-F0203157431B}" type="datetimeFigureOut">
               <a:rPr lang="en-US" smtClean="0"/>
-              <a:t>5/3/16</a:t>
+              <a:t>5/4/16</a:t>
             </a:fld>
             <a:endParaRPr lang="en-US"/>
           </a:p>
@@ -1806,7 +1672,7 @@
           <a:p>
             <a:fld id="{10AF0931-0DFC-8145-B366-F0203157431B}" type="datetimeFigureOut">
               <a:rPr lang="en-US" smtClean="0"/>
-              <a:t>5/3/16</a:t>
+              <a:t>5/4/16</a:t>
             </a:fld>
             <a:endParaRPr lang="en-US"/>
           </a:p>
@@ -1986,7 +1852,7 @@
           <a:p>
             <a:fld id="{10AF0931-0DFC-8145-B366-F0203157431B}" type="datetimeFigureOut">
               <a:rPr lang="en-US" smtClean="0"/>
-              <a:t>5/3/16</a:t>
+              <a:t>5/4/16</a:t>
             </a:fld>
             <a:endParaRPr lang="en-US"/>
           </a:p>
@@ -2156,7 +2022,7 @@
           <a:p>
             <a:fld id="{10AF0931-0DFC-8145-B366-F0203157431B}" type="datetimeFigureOut">
               <a:rPr lang="en-US" smtClean="0"/>
-              <a:t>5/3/16</a:t>
+              <a:t>5/4/16</a:t>
             </a:fld>
             <a:endParaRPr lang="en-US"/>
           </a:p>
@@ -2402,7 +2268,7 @@
           <a:p>
             <a:fld id="{10AF0931-0DFC-8145-B366-F0203157431B}" type="datetimeFigureOut">
               <a:rPr lang="en-US" smtClean="0"/>
-              <a:t>5/3/16</a:t>
+              <a:t>5/4/16</a:t>
             </a:fld>
             <a:endParaRPr lang="en-US"/>
           </a:p>
@@ -2690,7 +2556,7 @@
           <a:p>
             <a:fld id="{10AF0931-0DFC-8145-B366-F0203157431B}" type="datetimeFigureOut">
               <a:rPr lang="en-US" smtClean="0"/>
-              <a:t>5/3/16</a:t>
+              <a:t>5/4/16</a:t>
             </a:fld>
             <a:endParaRPr lang="en-US"/>
           </a:p>
@@ -3112,7 +2978,7 @@
           <a:p>
             <a:fld id="{10AF0931-0DFC-8145-B366-F0203157431B}" type="datetimeFigureOut">
               <a:rPr lang="en-US" smtClean="0"/>
-              <a:t>5/3/16</a:t>
+              <a:t>5/4/16</a:t>
             </a:fld>
             <a:endParaRPr lang="en-US"/>
           </a:p>
@@ -3230,7 +3096,7 @@
           <a:p>
             <a:fld id="{10AF0931-0DFC-8145-B366-F0203157431B}" type="datetimeFigureOut">
               <a:rPr lang="en-US" smtClean="0"/>
-              <a:t>5/3/16</a:t>
+              <a:t>5/4/16</a:t>
             </a:fld>
             <a:endParaRPr lang="en-US"/>
           </a:p>
@@ -3325,7 +3191,7 @@
           <a:p>
             <a:fld id="{10AF0931-0DFC-8145-B366-F0203157431B}" type="datetimeFigureOut">
               <a:rPr lang="en-US" smtClean="0"/>
-              <a:t>5/3/16</a:t>
+              <a:t>5/4/16</a:t>
             </a:fld>
             <a:endParaRPr lang="en-US"/>
           </a:p>
@@ -3602,7 +3468,7 @@
           <a:p>
             <a:fld id="{10AF0931-0DFC-8145-B366-F0203157431B}" type="datetimeFigureOut">
               <a:rPr lang="en-US" smtClean="0"/>
-              <a:t>5/3/16</a:t>
+              <a:t>5/4/16</a:t>
             </a:fld>
             <a:endParaRPr lang="en-US"/>
           </a:p>
@@ -3855,7 +3721,7 @@
           <a:p>
             <a:fld id="{10AF0931-0DFC-8145-B366-F0203157431B}" type="datetimeFigureOut">
               <a:rPr lang="en-US" smtClean="0"/>
-              <a:t>5/3/16</a:t>
+              <a:t>5/4/16</a:t>
             </a:fld>
             <a:endParaRPr lang="en-US"/>
           </a:p>
@@ -4068,7 +3934,7 @@
           <a:p>
             <a:fld id="{10AF0931-0DFC-8145-B366-F0203157431B}" type="datetimeFigureOut">
               <a:rPr lang="en-US" smtClean="0"/>
-              <a:t>5/3/16</a:t>
+              <a:t>5/4/16</a:t>
             </a:fld>
             <a:endParaRPr lang="en-US"/>
           </a:p>
